--- a/03_phylogenies_20241129/iqtree-20241129.pptx
+++ b/03_phylogenies_20241129/iqtree-20241129.pptx
@@ -5,9 +5,10 @@
     <p:sldMasterId id="2147483648" r:id="rId1"/>
   </p:sldMasterIdLst>
   <p:sldIdLst>
-    <p:sldId id="256" r:id="rId2"/>
-    <p:sldId id="257" r:id="rId3"/>
-    <p:sldId id="258" r:id="rId4"/>
+    <p:sldId id="257" r:id="rId2"/>
+    <p:sldId id="258" r:id="rId3"/>
+    <p:sldId id="259" r:id="rId4"/>
+    <p:sldId id="260" r:id="rId5"/>
   </p:sldIdLst>
   <p:sldSz cx="12192000" cy="6858000"/>
   <p:notesSz cx="6858000" cy="9144000"/>
@@ -3307,585 +3308,6 @@
 </file>
 
 <file path=ppt/slides/slide1.xml><?xml version="1.0" encoding="utf-8"?>
-<p:sld xmlns:a="http://schemas.openxmlformats.org/drawingml/2006/main" xmlns:r="http://schemas.openxmlformats.org/officeDocument/2006/relationships" xmlns:p="http://schemas.openxmlformats.org/presentationml/2006/main">
-  <p:cSld>
-    <p:spTree>
-      <p:nvGrpSpPr>
-        <p:cNvPr id="1" name=""/>
-        <p:cNvGrpSpPr/>
-        <p:nvPr/>
-      </p:nvGrpSpPr>
-      <p:grpSpPr>
-        <a:xfrm>
-          <a:off x="0" y="0"/>
-          <a:ext cx="0" cy="0"/>
-          <a:chOff x="0" y="0"/>
-          <a:chExt cx="0" cy="0"/>
-        </a:xfrm>
-      </p:grpSpPr>
-      <p:pic>
-        <p:nvPicPr>
-          <p:cNvPr id="8" name="Picture 7">
-            <a:extLst>
-              <a:ext uri="{FF2B5EF4-FFF2-40B4-BE49-F238E27FC236}">
-                <a16:creationId xmlns:a16="http://schemas.microsoft.com/office/drawing/2014/main" id="{30E02389-EAD6-0205-CEA4-59F413F71E87}"/>
-              </a:ext>
-            </a:extLst>
-          </p:cNvPr>
-          <p:cNvPicPr>
-            <a:picLocks noGrp="1" noRot="1" noChangeAspect="1" noMove="1" noResize="1" noEditPoints="1" noAdjustHandles="1" noChangeArrowheads="1" noChangeShapeType="1" noCrop="1"/>
-          </p:cNvPicPr>
-          <p:nvPr/>
-        </p:nvPicPr>
-        <p:blipFill>
-          <a:blip r:embed="rId2"/>
-          <a:stretch>
-            <a:fillRect/>
-          </a:stretch>
-        </p:blipFill>
-        <p:spPr>
-          <a:xfrm>
-            <a:off x="1894928" y="277789"/>
-            <a:ext cx="7772400" cy="6302422"/>
-          </a:xfrm>
-          <a:prstGeom prst="rect">
-            <a:avLst/>
-          </a:prstGeom>
-        </p:spPr>
-      </p:pic>
-      <p:sp>
-        <p:nvSpPr>
-          <p:cNvPr id="10" name="TextBox 9">
-            <a:extLst>
-              <a:ext uri="{FF2B5EF4-FFF2-40B4-BE49-F238E27FC236}">
-                <a16:creationId xmlns:a16="http://schemas.microsoft.com/office/drawing/2014/main" id="{912BBBA0-57BC-DEA7-357B-9C810A996DC2}"/>
-              </a:ext>
-            </a:extLst>
-          </p:cNvPr>
-          <p:cNvSpPr txBox="1"/>
-          <p:nvPr/>
-        </p:nvSpPr>
-        <p:spPr>
-          <a:xfrm>
-            <a:off x="4465410" y="1339700"/>
-            <a:ext cx="300082" cy="215444"/>
-          </a:xfrm>
-          <a:prstGeom prst="rect">
-            <a:avLst/>
-          </a:prstGeom>
-          <a:noFill/>
-        </p:spPr>
-        <p:txBody>
-          <a:bodyPr wrap="square" rtlCol="0">
-            <a:spAutoFit/>
-          </a:bodyPr>
-          <a:lstStyle/>
-          <a:p>
-            <a:r>
-              <a:rPr lang="en-US" sz="800" dirty="0">
-                <a:latin typeface="Avenir Book" panose="02000503020000020003" pitchFamily="2" charset="0"/>
-              </a:rPr>
-              <a:t>56</a:t>
-            </a:r>
-          </a:p>
-        </p:txBody>
-      </p:sp>
-      <p:sp>
-        <p:nvSpPr>
-          <p:cNvPr id="12" name="TextBox 11">
-            <a:extLst>
-              <a:ext uri="{FF2B5EF4-FFF2-40B4-BE49-F238E27FC236}">
-                <a16:creationId xmlns:a16="http://schemas.microsoft.com/office/drawing/2014/main" id="{FF1A06CD-8EE5-3353-D9B4-13EFD81893AF}"/>
-              </a:ext>
-            </a:extLst>
-          </p:cNvPr>
-          <p:cNvSpPr txBox="1"/>
-          <p:nvPr/>
-        </p:nvSpPr>
-        <p:spPr>
-          <a:xfrm>
-            <a:off x="4425187" y="1891293"/>
-            <a:ext cx="300082" cy="215444"/>
-          </a:xfrm>
-          <a:prstGeom prst="rect">
-            <a:avLst/>
-          </a:prstGeom>
-          <a:noFill/>
-        </p:spPr>
-        <p:txBody>
-          <a:bodyPr wrap="none" rtlCol="0">
-            <a:spAutoFit/>
-          </a:bodyPr>
-          <a:lstStyle/>
-          <a:p>
-            <a:r>
-              <a:rPr lang="en-US" sz="800" dirty="0">
-                <a:latin typeface="Avenir Book" panose="02000503020000020003" pitchFamily="2" charset="0"/>
-              </a:rPr>
-              <a:t>44</a:t>
-            </a:r>
-          </a:p>
-        </p:txBody>
-      </p:sp>
-      <p:cxnSp>
-        <p:nvCxnSpPr>
-          <p:cNvPr id="14" name="Straight Connector 13">
-            <a:extLst>
-              <a:ext uri="{FF2B5EF4-FFF2-40B4-BE49-F238E27FC236}">
-                <a16:creationId xmlns:a16="http://schemas.microsoft.com/office/drawing/2014/main" id="{39159E98-BB94-758B-9FF8-017DEC5F2FAE}"/>
-              </a:ext>
-            </a:extLst>
-          </p:cNvPr>
-          <p:cNvCxnSpPr>
-            <a:cxnSpLocks/>
-          </p:cNvCxnSpPr>
-          <p:nvPr/>
-        </p:nvCxnSpPr>
-        <p:spPr>
-          <a:xfrm>
-            <a:off x="4686300" y="1492250"/>
-            <a:ext cx="96988" cy="87689"/>
-          </a:xfrm>
-          <a:prstGeom prst="line">
-            <a:avLst/>
-          </a:prstGeom>
-          <a:ln w="6350">
-            <a:solidFill>
-              <a:schemeClr val="bg1">
-                <a:lumMod val="50000"/>
-              </a:schemeClr>
-            </a:solidFill>
-          </a:ln>
-        </p:spPr>
-        <p:style>
-          <a:lnRef idx="2">
-            <a:schemeClr val="accent1"/>
-          </a:lnRef>
-          <a:fillRef idx="0">
-            <a:schemeClr val="accent1"/>
-          </a:fillRef>
-          <a:effectRef idx="1">
-            <a:schemeClr val="accent1"/>
-          </a:effectRef>
-          <a:fontRef idx="minor">
-            <a:schemeClr val="tx1"/>
-          </a:fontRef>
-        </p:style>
-      </p:cxnSp>
-      <p:cxnSp>
-        <p:nvCxnSpPr>
-          <p:cNvPr id="21" name="Straight Connector 20">
-            <a:extLst>
-              <a:ext uri="{FF2B5EF4-FFF2-40B4-BE49-F238E27FC236}">
-                <a16:creationId xmlns:a16="http://schemas.microsoft.com/office/drawing/2014/main" id="{25F9B9AE-CD86-CEA3-78F6-E899A01BC2B1}"/>
-              </a:ext>
-            </a:extLst>
-          </p:cNvPr>
-          <p:cNvCxnSpPr>
-            <a:cxnSpLocks/>
-          </p:cNvCxnSpPr>
-          <p:nvPr/>
-        </p:nvCxnSpPr>
-        <p:spPr>
-          <a:xfrm>
-            <a:off x="4645025" y="2044700"/>
-            <a:ext cx="188637" cy="168524"/>
-          </a:xfrm>
-          <a:prstGeom prst="line">
-            <a:avLst/>
-          </a:prstGeom>
-          <a:ln w="6350">
-            <a:solidFill>
-              <a:schemeClr val="bg1">
-                <a:lumMod val="50000"/>
-              </a:schemeClr>
-            </a:solidFill>
-          </a:ln>
-        </p:spPr>
-        <p:style>
-          <a:lnRef idx="2">
-            <a:schemeClr val="accent1"/>
-          </a:lnRef>
-          <a:fillRef idx="0">
-            <a:schemeClr val="accent1"/>
-          </a:fillRef>
-          <a:effectRef idx="1">
-            <a:schemeClr val="accent1"/>
-          </a:effectRef>
-          <a:fontRef idx="minor">
-            <a:schemeClr val="tx1"/>
-          </a:fontRef>
-        </p:style>
-      </p:cxnSp>
-      <p:sp>
-        <p:nvSpPr>
-          <p:cNvPr id="24" name="TextBox 23">
-            <a:extLst>
-              <a:ext uri="{FF2B5EF4-FFF2-40B4-BE49-F238E27FC236}">
-                <a16:creationId xmlns:a16="http://schemas.microsoft.com/office/drawing/2014/main" id="{145947A8-79E1-FC45-CE13-7830CE49B5DB}"/>
-              </a:ext>
-            </a:extLst>
-          </p:cNvPr>
-          <p:cNvSpPr txBox="1"/>
-          <p:nvPr/>
-        </p:nvSpPr>
-        <p:spPr>
-          <a:xfrm>
-            <a:off x="4683621" y="2813050"/>
-            <a:ext cx="300082" cy="215444"/>
-          </a:xfrm>
-          <a:prstGeom prst="rect">
-            <a:avLst/>
-          </a:prstGeom>
-          <a:noFill/>
-        </p:spPr>
-        <p:txBody>
-          <a:bodyPr wrap="none" rtlCol="0">
-            <a:spAutoFit/>
-          </a:bodyPr>
-          <a:lstStyle/>
-          <a:p>
-            <a:r>
-              <a:rPr lang="en-US" sz="800" dirty="0">
-                <a:latin typeface="Avenir Book" panose="02000503020000020003" pitchFamily="2" charset="0"/>
-              </a:rPr>
-              <a:t>77</a:t>
-            </a:r>
-          </a:p>
-        </p:txBody>
-      </p:sp>
-      <p:cxnSp>
-        <p:nvCxnSpPr>
-          <p:cNvPr id="25" name="Straight Connector 24">
-            <a:extLst>
-              <a:ext uri="{FF2B5EF4-FFF2-40B4-BE49-F238E27FC236}">
-                <a16:creationId xmlns:a16="http://schemas.microsoft.com/office/drawing/2014/main" id="{850EAF23-6B17-3822-0A93-637E8F180DDC}"/>
-              </a:ext>
-            </a:extLst>
-          </p:cNvPr>
-          <p:cNvCxnSpPr>
-            <a:cxnSpLocks/>
-          </p:cNvCxnSpPr>
-          <p:nvPr/>
-        </p:nvCxnSpPr>
-        <p:spPr>
-          <a:xfrm flipH="1">
-            <a:off x="4846362" y="2717062"/>
-            <a:ext cx="84082" cy="111863"/>
-          </a:xfrm>
-          <a:prstGeom prst="line">
-            <a:avLst/>
-          </a:prstGeom>
-          <a:ln w="6350">
-            <a:solidFill>
-              <a:schemeClr val="bg1">
-                <a:lumMod val="50000"/>
-              </a:schemeClr>
-            </a:solidFill>
-          </a:ln>
-        </p:spPr>
-        <p:style>
-          <a:lnRef idx="2">
-            <a:schemeClr val="accent1"/>
-          </a:lnRef>
-          <a:fillRef idx="0">
-            <a:schemeClr val="accent1"/>
-          </a:fillRef>
-          <a:effectRef idx="1">
-            <a:schemeClr val="accent1"/>
-          </a:effectRef>
-          <a:fontRef idx="minor">
-            <a:schemeClr val="tx1"/>
-          </a:fontRef>
-        </p:style>
-      </p:cxnSp>
-      <p:sp>
-        <p:nvSpPr>
-          <p:cNvPr id="28" name="TextBox 27">
-            <a:extLst>
-              <a:ext uri="{FF2B5EF4-FFF2-40B4-BE49-F238E27FC236}">
-                <a16:creationId xmlns:a16="http://schemas.microsoft.com/office/drawing/2014/main" id="{65CACE54-A82A-2639-09DC-18C75037D0B7}"/>
-              </a:ext>
-            </a:extLst>
-          </p:cNvPr>
-          <p:cNvSpPr txBox="1"/>
-          <p:nvPr/>
-        </p:nvSpPr>
-        <p:spPr>
-          <a:xfrm>
-            <a:off x="4453762" y="2442886"/>
-            <a:ext cx="300082" cy="215444"/>
-          </a:xfrm>
-          <a:prstGeom prst="rect">
-            <a:avLst/>
-          </a:prstGeom>
-          <a:noFill/>
-        </p:spPr>
-        <p:txBody>
-          <a:bodyPr wrap="square" rtlCol="0">
-            <a:spAutoFit/>
-          </a:bodyPr>
-          <a:lstStyle/>
-          <a:p>
-            <a:pPr algn="ctr"/>
-            <a:r>
-              <a:rPr lang="en-US" sz="800" dirty="0">
-                <a:latin typeface="Avenir Book" panose="02000503020000020003" pitchFamily="2" charset="0"/>
-              </a:rPr>
-              <a:t>83</a:t>
-            </a:r>
-          </a:p>
-        </p:txBody>
-      </p:sp>
-      <p:sp>
-        <p:nvSpPr>
-          <p:cNvPr id="29" name="TextBox 28">
-            <a:extLst>
-              <a:ext uri="{FF2B5EF4-FFF2-40B4-BE49-F238E27FC236}">
-                <a16:creationId xmlns:a16="http://schemas.microsoft.com/office/drawing/2014/main" id="{7B62E897-C333-8BAE-D60A-53E638168E0C}"/>
-              </a:ext>
-            </a:extLst>
-          </p:cNvPr>
-          <p:cNvSpPr txBox="1"/>
-          <p:nvPr/>
-        </p:nvSpPr>
-        <p:spPr>
-          <a:xfrm>
-            <a:off x="4658221" y="3489322"/>
-            <a:ext cx="374154" cy="215444"/>
-          </a:xfrm>
-          <a:prstGeom prst="rect">
-            <a:avLst/>
-          </a:prstGeom>
-          <a:noFill/>
-        </p:spPr>
-        <p:txBody>
-          <a:bodyPr wrap="square" rtlCol="0">
-            <a:spAutoFit/>
-          </a:bodyPr>
-          <a:lstStyle/>
-          <a:p>
-            <a:pPr algn="ctr"/>
-            <a:r>
-              <a:rPr lang="en-US" sz="800" dirty="0">
-                <a:latin typeface="Avenir Book" panose="02000503020000020003" pitchFamily="2" charset="0"/>
-              </a:rPr>
-              <a:t>100</a:t>
-            </a:r>
-          </a:p>
-        </p:txBody>
-      </p:sp>
-      <p:sp>
-        <p:nvSpPr>
-          <p:cNvPr id="30" name="TextBox 29">
-            <a:extLst>
-              <a:ext uri="{FF2B5EF4-FFF2-40B4-BE49-F238E27FC236}">
-                <a16:creationId xmlns:a16="http://schemas.microsoft.com/office/drawing/2014/main" id="{8C522A62-ACD2-44D1-26BB-508F2DF9ED7C}"/>
-              </a:ext>
-            </a:extLst>
-          </p:cNvPr>
-          <p:cNvSpPr txBox="1"/>
-          <p:nvPr/>
-        </p:nvSpPr>
-        <p:spPr>
-          <a:xfrm>
-            <a:off x="4140200" y="3270703"/>
-            <a:ext cx="325210" cy="215444"/>
-          </a:xfrm>
-          <a:prstGeom prst="rect">
-            <a:avLst/>
-          </a:prstGeom>
-          <a:noFill/>
-        </p:spPr>
-        <p:txBody>
-          <a:bodyPr wrap="square" rtlCol="0">
-            <a:spAutoFit/>
-          </a:bodyPr>
-          <a:lstStyle/>
-          <a:p>
-            <a:pPr algn="ctr"/>
-            <a:r>
-              <a:rPr lang="en-US" sz="800" dirty="0">
-                <a:latin typeface="Avenir Book" panose="02000503020000020003" pitchFamily="2" charset="0"/>
-              </a:rPr>
-              <a:t>89</a:t>
-            </a:r>
-          </a:p>
-        </p:txBody>
-      </p:sp>
-      <p:sp>
-        <p:nvSpPr>
-          <p:cNvPr id="31" name="TextBox 30">
-            <a:extLst>
-              <a:ext uri="{FF2B5EF4-FFF2-40B4-BE49-F238E27FC236}">
-                <a16:creationId xmlns:a16="http://schemas.microsoft.com/office/drawing/2014/main" id="{A59EE1BF-7013-4ADD-45B3-49DD0FEE580A}"/>
-              </a:ext>
-            </a:extLst>
-          </p:cNvPr>
-          <p:cNvSpPr txBox="1"/>
-          <p:nvPr/>
-        </p:nvSpPr>
-        <p:spPr>
-          <a:xfrm>
-            <a:off x="3814990" y="3959653"/>
-            <a:ext cx="325210" cy="215444"/>
-          </a:xfrm>
-          <a:prstGeom prst="rect">
-            <a:avLst/>
-          </a:prstGeom>
-          <a:noFill/>
-        </p:spPr>
-        <p:txBody>
-          <a:bodyPr wrap="square" rtlCol="0">
-            <a:spAutoFit/>
-          </a:bodyPr>
-          <a:lstStyle/>
-          <a:p>
-            <a:pPr algn="ctr"/>
-            <a:r>
-              <a:rPr lang="en-US" sz="800" dirty="0">
-                <a:latin typeface="Avenir Book" panose="02000503020000020003" pitchFamily="2" charset="0"/>
-              </a:rPr>
-              <a:t>50</a:t>
-            </a:r>
-          </a:p>
-        </p:txBody>
-      </p:sp>
-      <p:cxnSp>
-        <p:nvCxnSpPr>
-          <p:cNvPr id="32" name="Straight Connector 31">
-            <a:extLst>
-              <a:ext uri="{FF2B5EF4-FFF2-40B4-BE49-F238E27FC236}">
-                <a16:creationId xmlns:a16="http://schemas.microsoft.com/office/drawing/2014/main" id="{36C517AD-0B4D-AC09-8F30-53B69CA8BB57}"/>
-              </a:ext>
-            </a:extLst>
-          </p:cNvPr>
-          <p:cNvCxnSpPr>
-            <a:cxnSpLocks/>
-          </p:cNvCxnSpPr>
-          <p:nvPr/>
-        </p:nvCxnSpPr>
-        <p:spPr>
-          <a:xfrm>
-            <a:off x="4043212" y="4121864"/>
-            <a:ext cx="96988" cy="87689"/>
-          </a:xfrm>
-          <a:prstGeom prst="line">
-            <a:avLst/>
-          </a:prstGeom>
-          <a:ln w="6350">
-            <a:solidFill>
-              <a:schemeClr val="bg1">
-                <a:lumMod val="50000"/>
-              </a:schemeClr>
-            </a:solidFill>
-          </a:ln>
-        </p:spPr>
-        <p:style>
-          <a:lnRef idx="2">
-            <a:schemeClr val="accent1"/>
-          </a:lnRef>
-          <a:fillRef idx="0">
-            <a:schemeClr val="accent1"/>
-          </a:fillRef>
-          <a:effectRef idx="1">
-            <a:schemeClr val="accent1"/>
-          </a:effectRef>
-          <a:fontRef idx="minor">
-            <a:schemeClr val="tx1"/>
-          </a:fontRef>
-        </p:style>
-      </p:cxnSp>
-      <p:sp>
-        <p:nvSpPr>
-          <p:cNvPr id="33" name="TextBox 32">
-            <a:extLst>
-              <a:ext uri="{FF2B5EF4-FFF2-40B4-BE49-F238E27FC236}">
-                <a16:creationId xmlns:a16="http://schemas.microsoft.com/office/drawing/2014/main" id="{DE697433-258A-248B-D2F7-F871166E7A01}"/>
-              </a:ext>
-            </a:extLst>
-          </p:cNvPr>
-          <p:cNvSpPr txBox="1"/>
-          <p:nvPr/>
-        </p:nvSpPr>
-        <p:spPr>
-          <a:xfrm>
-            <a:off x="3448050" y="4585153"/>
-            <a:ext cx="552450" cy="215444"/>
-          </a:xfrm>
-          <a:prstGeom prst="rect">
-            <a:avLst/>
-          </a:prstGeom>
-          <a:noFill/>
-        </p:spPr>
-        <p:txBody>
-          <a:bodyPr wrap="square" rtlCol="0">
-            <a:spAutoFit/>
-          </a:bodyPr>
-          <a:lstStyle/>
-          <a:p>
-            <a:pPr algn="ctr"/>
-            <a:r>
-              <a:rPr lang="en-US" sz="800" dirty="0">
-                <a:latin typeface="Avenir Book" panose="02000503020000020003" pitchFamily="2" charset="0"/>
-              </a:rPr>
-              <a:t>97</a:t>
-            </a:r>
-          </a:p>
-        </p:txBody>
-      </p:sp>
-      <p:sp>
-        <p:nvSpPr>
-          <p:cNvPr id="34" name="TextBox 33">
-            <a:extLst>
-              <a:ext uri="{FF2B5EF4-FFF2-40B4-BE49-F238E27FC236}">
-                <a16:creationId xmlns:a16="http://schemas.microsoft.com/office/drawing/2014/main" id="{1404CE7D-DF4F-59A2-4747-149BCFC0DFE0}"/>
-              </a:ext>
-            </a:extLst>
-          </p:cNvPr>
-          <p:cNvSpPr txBox="1"/>
-          <p:nvPr/>
-        </p:nvSpPr>
-        <p:spPr>
-          <a:xfrm>
-            <a:off x="3448050" y="5515428"/>
-            <a:ext cx="595162" cy="215444"/>
-          </a:xfrm>
-          <a:prstGeom prst="rect">
-            <a:avLst/>
-          </a:prstGeom>
-          <a:noFill/>
-        </p:spPr>
-        <p:txBody>
-          <a:bodyPr wrap="square" rtlCol="0">
-            <a:spAutoFit/>
-          </a:bodyPr>
-          <a:lstStyle/>
-          <a:p>
-            <a:pPr algn="ctr"/>
-            <a:r>
-              <a:rPr lang="en-US" sz="800" dirty="0">
-                <a:latin typeface="Avenir Book" panose="02000503020000020003" pitchFamily="2" charset="0"/>
-              </a:rPr>
-              <a:t>99</a:t>
-            </a:r>
-          </a:p>
-        </p:txBody>
-      </p:sp>
-    </p:spTree>
-    <p:extLst>
-      <p:ext uri="{BB962C8B-B14F-4D97-AF65-F5344CB8AC3E}">
-        <p14:creationId xmlns:p14="http://schemas.microsoft.com/office/powerpoint/2010/main" val="1190085727"/>
-      </p:ext>
-    </p:extLst>
-  </p:cSld>
-  <p:clrMapOvr>
-    <a:masterClrMapping/>
-  </p:clrMapOvr>
-</p:sld>
-</file>
-
-<file path=ppt/slides/slide2.xml><?xml version="1.0" encoding="utf-8"?>
 <p:sld xmlns:a="http://schemas.openxmlformats.org/drawingml/2006/main" xmlns:r="http://schemas.openxmlformats.org/officeDocument/2006/relationships" xmlns:p="http://schemas.openxmlformats.org/presentationml/2006/main">
   <p:cSld>
     <p:spTree>
@@ -4485,7 +3907,7 @@
 </p:sld>
 </file>
 
-<file path=ppt/slides/slide3.xml><?xml version="1.0" encoding="utf-8"?>
+<file path=ppt/slides/slide2.xml><?xml version="1.0" encoding="utf-8"?>
 <p:sld xmlns:a="http://schemas.openxmlformats.org/drawingml/2006/main" xmlns:r="http://schemas.openxmlformats.org/officeDocument/2006/relationships" xmlns:p="http://schemas.openxmlformats.org/presentationml/2006/main">
   <p:cSld>
     <p:spTree>
@@ -5085,6 +4507,1074 @@
 </p:sld>
 </file>
 
+<file path=ppt/slides/slide3.xml><?xml version="1.0" encoding="utf-8"?>
+<p:sld xmlns:a="http://schemas.openxmlformats.org/drawingml/2006/main" xmlns:r="http://schemas.openxmlformats.org/officeDocument/2006/relationships" xmlns:p="http://schemas.openxmlformats.org/presentationml/2006/main">
+  <p:cSld>
+    <p:spTree>
+      <p:nvGrpSpPr>
+        <p:cNvPr id="1" name=""/>
+        <p:cNvGrpSpPr/>
+        <p:nvPr/>
+      </p:nvGrpSpPr>
+      <p:grpSpPr>
+        <a:xfrm>
+          <a:off x="0" y="0"/>
+          <a:ext cx="0" cy="0"/>
+          <a:chOff x="0" y="0"/>
+          <a:chExt cx="0" cy="0"/>
+        </a:xfrm>
+      </p:grpSpPr>
+      <p:pic>
+        <p:nvPicPr>
+          <p:cNvPr id="7" name="Picture 6">
+            <a:extLst>
+              <a:ext uri="{FF2B5EF4-FFF2-40B4-BE49-F238E27FC236}">
+                <a16:creationId xmlns:a16="http://schemas.microsoft.com/office/drawing/2014/main" id="{A8A78300-669D-EEEB-BBCB-56A3A6D8EA24}"/>
+              </a:ext>
+            </a:extLst>
+          </p:cNvPr>
+          <p:cNvPicPr>
+            <a:picLocks noGrp="1" noRot="1" noChangeAspect="1" noMove="1" noResize="1" noEditPoints="1" noAdjustHandles="1" noChangeArrowheads="1" noChangeShapeType="1" noCrop="1"/>
+          </p:cNvPicPr>
+          <p:nvPr/>
+        </p:nvPicPr>
+        <p:blipFill>
+          <a:blip r:embed="rId2"/>
+          <a:stretch>
+            <a:fillRect/>
+          </a:stretch>
+        </p:blipFill>
+        <p:spPr>
+          <a:xfrm>
+            <a:off x="1041101" y="268605"/>
+            <a:ext cx="10109797" cy="6320790"/>
+          </a:xfrm>
+          <a:prstGeom prst="rect">
+            <a:avLst/>
+          </a:prstGeom>
+        </p:spPr>
+      </p:pic>
+      <p:sp>
+        <p:nvSpPr>
+          <p:cNvPr id="8" name="TextBox 7">
+            <a:extLst>
+              <a:ext uri="{FF2B5EF4-FFF2-40B4-BE49-F238E27FC236}">
+                <a16:creationId xmlns:a16="http://schemas.microsoft.com/office/drawing/2014/main" id="{D40FD713-BEB0-8A22-9F0F-4B5FF4A0D88E}"/>
+              </a:ext>
+            </a:extLst>
+          </p:cNvPr>
+          <p:cNvSpPr txBox="1"/>
+          <p:nvPr/>
+        </p:nvSpPr>
+        <p:spPr>
+          <a:xfrm>
+            <a:off x="4460882" y="1150499"/>
+            <a:ext cx="300082" cy="215444"/>
+          </a:xfrm>
+          <a:prstGeom prst="rect">
+            <a:avLst/>
+          </a:prstGeom>
+          <a:noFill/>
+        </p:spPr>
+        <p:txBody>
+          <a:bodyPr wrap="none" rtlCol="0">
+            <a:spAutoFit/>
+          </a:bodyPr>
+          <a:lstStyle/>
+          <a:p>
+            <a:r>
+              <a:rPr lang="en-US" sz="800" dirty="0">
+                <a:latin typeface="Avenir Book" panose="02000503020000020003" pitchFamily="2" charset="0"/>
+              </a:rPr>
+              <a:t>56</a:t>
+            </a:r>
+          </a:p>
+        </p:txBody>
+      </p:sp>
+      <p:cxnSp>
+        <p:nvCxnSpPr>
+          <p:cNvPr id="9" name="Straight Connector 8">
+            <a:extLst>
+              <a:ext uri="{FF2B5EF4-FFF2-40B4-BE49-F238E27FC236}">
+                <a16:creationId xmlns:a16="http://schemas.microsoft.com/office/drawing/2014/main" id="{96D976BE-D155-CE98-0D91-F0F821AD1EAC}"/>
+              </a:ext>
+            </a:extLst>
+          </p:cNvPr>
+          <p:cNvCxnSpPr>
+            <a:cxnSpLocks/>
+          </p:cNvCxnSpPr>
+          <p:nvPr/>
+        </p:nvCxnSpPr>
+        <p:spPr>
+          <a:xfrm>
+            <a:off x="4680720" y="1303906"/>
+            <a:ext cx="188637" cy="168524"/>
+          </a:xfrm>
+          <a:prstGeom prst="line">
+            <a:avLst/>
+          </a:prstGeom>
+          <a:ln w="6350">
+            <a:solidFill>
+              <a:schemeClr val="bg1">
+                <a:lumMod val="50000"/>
+              </a:schemeClr>
+            </a:solidFill>
+          </a:ln>
+        </p:spPr>
+        <p:style>
+          <a:lnRef idx="2">
+            <a:schemeClr val="accent1"/>
+          </a:lnRef>
+          <a:fillRef idx="0">
+            <a:schemeClr val="accent1"/>
+          </a:fillRef>
+          <a:effectRef idx="1">
+            <a:schemeClr val="accent1"/>
+          </a:effectRef>
+          <a:fontRef idx="minor">
+            <a:schemeClr val="tx1"/>
+          </a:fontRef>
+        </p:style>
+      </p:cxnSp>
+      <p:sp>
+        <p:nvSpPr>
+          <p:cNvPr id="10" name="TextBox 9">
+            <a:extLst>
+              <a:ext uri="{FF2B5EF4-FFF2-40B4-BE49-F238E27FC236}">
+                <a16:creationId xmlns:a16="http://schemas.microsoft.com/office/drawing/2014/main" id="{7541D8C7-BA44-801C-D443-2669319E1BA1}"/>
+              </a:ext>
+            </a:extLst>
+          </p:cNvPr>
+          <p:cNvSpPr txBox="1"/>
+          <p:nvPr/>
+        </p:nvSpPr>
+        <p:spPr>
+          <a:xfrm>
+            <a:off x="4532737" y="1743222"/>
+            <a:ext cx="300082" cy="215444"/>
+          </a:xfrm>
+          <a:prstGeom prst="rect">
+            <a:avLst/>
+          </a:prstGeom>
+          <a:noFill/>
+        </p:spPr>
+        <p:txBody>
+          <a:bodyPr wrap="none" rtlCol="0">
+            <a:spAutoFit/>
+          </a:bodyPr>
+          <a:lstStyle/>
+          <a:p>
+            <a:r>
+              <a:rPr lang="en-US" sz="800" dirty="0">
+                <a:latin typeface="Avenir Book" panose="02000503020000020003" pitchFamily="2" charset="0"/>
+              </a:rPr>
+              <a:t>46</a:t>
+            </a:r>
+          </a:p>
+        </p:txBody>
+      </p:sp>
+      <p:cxnSp>
+        <p:nvCxnSpPr>
+          <p:cNvPr id="11" name="Straight Connector 10">
+            <a:extLst>
+              <a:ext uri="{FF2B5EF4-FFF2-40B4-BE49-F238E27FC236}">
+                <a16:creationId xmlns:a16="http://schemas.microsoft.com/office/drawing/2014/main" id="{7FA07436-4203-A864-ADCB-305349C87C1D}"/>
+              </a:ext>
+            </a:extLst>
+          </p:cNvPr>
+          <p:cNvCxnSpPr>
+            <a:cxnSpLocks/>
+          </p:cNvCxnSpPr>
+          <p:nvPr/>
+        </p:nvCxnSpPr>
+        <p:spPr>
+          <a:xfrm>
+            <a:off x="4752575" y="1896629"/>
+            <a:ext cx="188637" cy="168524"/>
+          </a:xfrm>
+          <a:prstGeom prst="line">
+            <a:avLst/>
+          </a:prstGeom>
+          <a:ln w="6350">
+            <a:solidFill>
+              <a:schemeClr val="bg1">
+                <a:lumMod val="50000"/>
+              </a:schemeClr>
+            </a:solidFill>
+          </a:ln>
+        </p:spPr>
+        <p:style>
+          <a:lnRef idx="2">
+            <a:schemeClr val="accent1"/>
+          </a:lnRef>
+          <a:fillRef idx="0">
+            <a:schemeClr val="accent1"/>
+          </a:fillRef>
+          <a:effectRef idx="1">
+            <a:schemeClr val="accent1"/>
+          </a:effectRef>
+          <a:fontRef idx="minor">
+            <a:schemeClr val="tx1"/>
+          </a:fontRef>
+        </p:style>
+      </p:cxnSp>
+      <p:sp>
+        <p:nvSpPr>
+          <p:cNvPr id="12" name="TextBox 11">
+            <a:extLst>
+              <a:ext uri="{FF2B5EF4-FFF2-40B4-BE49-F238E27FC236}">
+                <a16:creationId xmlns:a16="http://schemas.microsoft.com/office/drawing/2014/main" id="{202A458A-69D1-03B4-A83D-2F6F75B14446}"/>
+              </a:ext>
+            </a:extLst>
+          </p:cNvPr>
+          <p:cNvSpPr txBox="1"/>
+          <p:nvPr/>
+        </p:nvSpPr>
+        <p:spPr>
+          <a:xfrm>
+            <a:off x="4784563" y="2633475"/>
+            <a:ext cx="300082" cy="215444"/>
+          </a:xfrm>
+          <a:prstGeom prst="rect">
+            <a:avLst/>
+          </a:prstGeom>
+          <a:noFill/>
+        </p:spPr>
+        <p:txBody>
+          <a:bodyPr wrap="none" rtlCol="0">
+            <a:spAutoFit/>
+          </a:bodyPr>
+          <a:lstStyle/>
+          <a:p>
+            <a:r>
+              <a:rPr lang="en-US" sz="800" dirty="0">
+                <a:latin typeface="Avenir Book" panose="02000503020000020003" pitchFamily="2" charset="0"/>
+              </a:rPr>
+              <a:t>77</a:t>
+            </a:r>
+          </a:p>
+        </p:txBody>
+      </p:sp>
+      <p:cxnSp>
+        <p:nvCxnSpPr>
+          <p:cNvPr id="13" name="Straight Connector 12">
+            <a:extLst>
+              <a:ext uri="{FF2B5EF4-FFF2-40B4-BE49-F238E27FC236}">
+                <a16:creationId xmlns:a16="http://schemas.microsoft.com/office/drawing/2014/main" id="{69B8FAE2-C004-BB20-5952-1A057D588283}"/>
+              </a:ext>
+            </a:extLst>
+          </p:cNvPr>
+          <p:cNvCxnSpPr>
+            <a:cxnSpLocks/>
+          </p:cNvCxnSpPr>
+          <p:nvPr/>
+        </p:nvCxnSpPr>
+        <p:spPr>
+          <a:xfrm flipV="1">
+            <a:off x="4994275" y="2539481"/>
+            <a:ext cx="66894" cy="127519"/>
+          </a:xfrm>
+          <a:prstGeom prst="line">
+            <a:avLst/>
+          </a:prstGeom>
+          <a:ln w="6350">
+            <a:solidFill>
+              <a:schemeClr val="bg1">
+                <a:lumMod val="50000"/>
+              </a:schemeClr>
+            </a:solidFill>
+          </a:ln>
+        </p:spPr>
+        <p:style>
+          <a:lnRef idx="2">
+            <a:schemeClr val="accent1"/>
+          </a:lnRef>
+          <a:fillRef idx="0">
+            <a:schemeClr val="accent1"/>
+          </a:fillRef>
+          <a:effectRef idx="1">
+            <a:schemeClr val="accent1"/>
+          </a:effectRef>
+          <a:fontRef idx="minor">
+            <a:schemeClr val="tx1"/>
+          </a:fontRef>
+        </p:style>
+      </p:cxnSp>
+      <p:sp>
+        <p:nvSpPr>
+          <p:cNvPr id="16" name="TextBox 15">
+            <a:extLst>
+              <a:ext uri="{FF2B5EF4-FFF2-40B4-BE49-F238E27FC236}">
+                <a16:creationId xmlns:a16="http://schemas.microsoft.com/office/drawing/2014/main" id="{3C6D3A7F-AD29-9904-3205-3CDFEF201ACF}"/>
+              </a:ext>
+            </a:extLst>
+          </p:cNvPr>
+          <p:cNvSpPr txBox="1"/>
+          <p:nvPr/>
+        </p:nvSpPr>
+        <p:spPr>
+          <a:xfrm>
+            <a:off x="4460882" y="2263312"/>
+            <a:ext cx="349243" cy="215444"/>
+          </a:xfrm>
+          <a:prstGeom prst="rect">
+            <a:avLst/>
+          </a:prstGeom>
+          <a:noFill/>
+        </p:spPr>
+        <p:txBody>
+          <a:bodyPr wrap="square" rtlCol="0">
+            <a:spAutoFit/>
+          </a:bodyPr>
+          <a:lstStyle/>
+          <a:p>
+            <a:pPr algn="ctr"/>
+            <a:r>
+              <a:rPr lang="en-US" sz="800" dirty="0">
+                <a:latin typeface="Avenir Book" panose="02000503020000020003" pitchFamily="2" charset="0"/>
+              </a:rPr>
+              <a:t>79</a:t>
+            </a:r>
+          </a:p>
+        </p:txBody>
+      </p:sp>
+      <p:sp>
+        <p:nvSpPr>
+          <p:cNvPr id="17" name="TextBox 16">
+            <a:extLst>
+              <a:ext uri="{FF2B5EF4-FFF2-40B4-BE49-F238E27FC236}">
+                <a16:creationId xmlns:a16="http://schemas.microsoft.com/office/drawing/2014/main" id="{49AFE116-91C3-CB07-E609-7F1C9F62D341}"/>
+              </a:ext>
+            </a:extLst>
+          </p:cNvPr>
+          <p:cNvSpPr txBox="1"/>
+          <p:nvPr/>
+        </p:nvSpPr>
+        <p:spPr>
+          <a:xfrm>
+            <a:off x="4753645" y="3240833"/>
+            <a:ext cx="413312" cy="215444"/>
+          </a:xfrm>
+          <a:prstGeom prst="rect">
+            <a:avLst/>
+          </a:prstGeom>
+          <a:noFill/>
+        </p:spPr>
+        <p:txBody>
+          <a:bodyPr wrap="square" rtlCol="0">
+            <a:spAutoFit/>
+          </a:bodyPr>
+          <a:lstStyle/>
+          <a:p>
+            <a:pPr algn="ctr"/>
+            <a:r>
+              <a:rPr lang="en-US" sz="800" dirty="0">
+                <a:latin typeface="Avenir Book" panose="02000503020000020003" pitchFamily="2" charset="0"/>
+              </a:rPr>
+              <a:t>100</a:t>
+            </a:r>
+          </a:p>
+        </p:txBody>
+      </p:sp>
+      <p:sp>
+        <p:nvSpPr>
+          <p:cNvPr id="18" name="TextBox 17">
+            <a:extLst>
+              <a:ext uri="{FF2B5EF4-FFF2-40B4-BE49-F238E27FC236}">
+                <a16:creationId xmlns:a16="http://schemas.microsoft.com/office/drawing/2014/main" id="{6D775567-3868-A2C8-CAB0-4D159EAD4529}"/>
+              </a:ext>
+            </a:extLst>
+          </p:cNvPr>
+          <p:cNvSpPr txBox="1"/>
+          <p:nvPr/>
+        </p:nvSpPr>
+        <p:spPr>
+          <a:xfrm>
+            <a:off x="4007520" y="3034914"/>
+            <a:ext cx="453362" cy="215444"/>
+          </a:xfrm>
+          <a:prstGeom prst="rect">
+            <a:avLst/>
+          </a:prstGeom>
+          <a:noFill/>
+        </p:spPr>
+        <p:txBody>
+          <a:bodyPr wrap="square" rtlCol="0">
+            <a:spAutoFit/>
+          </a:bodyPr>
+          <a:lstStyle/>
+          <a:p>
+            <a:pPr algn="ctr"/>
+            <a:r>
+              <a:rPr lang="en-US" sz="800" dirty="0">
+                <a:latin typeface="Avenir Book" panose="02000503020000020003" pitchFamily="2" charset="0"/>
+              </a:rPr>
+              <a:t>91</a:t>
+            </a:r>
+          </a:p>
+        </p:txBody>
+      </p:sp>
+      <p:sp>
+        <p:nvSpPr>
+          <p:cNvPr id="19" name="TextBox 18">
+            <a:extLst>
+              <a:ext uri="{FF2B5EF4-FFF2-40B4-BE49-F238E27FC236}">
+                <a16:creationId xmlns:a16="http://schemas.microsoft.com/office/drawing/2014/main" id="{9728139D-0A7B-27D0-56B7-308C22599A0A}"/>
+              </a:ext>
+            </a:extLst>
+          </p:cNvPr>
+          <p:cNvSpPr txBox="1"/>
+          <p:nvPr/>
+        </p:nvSpPr>
+        <p:spPr>
+          <a:xfrm>
+            <a:off x="3759870" y="3733414"/>
+            <a:ext cx="314325" cy="215444"/>
+          </a:xfrm>
+          <a:prstGeom prst="rect">
+            <a:avLst/>
+          </a:prstGeom>
+          <a:noFill/>
+        </p:spPr>
+        <p:txBody>
+          <a:bodyPr wrap="square" rtlCol="0">
+            <a:spAutoFit/>
+          </a:bodyPr>
+          <a:lstStyle/>
+          <a:p>
+            <a:pPr algn="ctr"/>
+            <a:r>
+              <a:rPr lang="en-US" sz="800" dirty="0">
+                <a:latin typeface="Avenir Book" panose="02000503020000020003" pitchFamily="2" charset="0"/>
+              </a:rPr>
+              <a:t>52</a:t>
+            </a:r>
+          </a:p>
+        </p:txBody>
+      </p:sp>
+      <p:sp>
+        <p:nvSpPr>
+          <p:cNvPr id="20" name="TextBox 19">
+            <a:extLst>
+              <a:ext uri="{FF2B5EF4-FFF2-40B4-BE49-F238E27FC236}">
+                <a16:creationId xmlns:a16="http://schemas.microsoft.com/office/drawing/2014/main" id="{6EBAF09A-DDED-2BF7-64FC-0CA2F07B9241}"/>
+              </a:ext>
+            </a:extLst>
+          </p:cNvPr>
+          <p:cNvSpPr txBox="1"/>
+          <p:nvPr/>
+        </p:nvSpPr>
+        <p:spPr>
+          <a:xfrm>
+            <a:off x="3079750" y="4304914"/>
+            <a:ext cx="749300" cy="215444"/>
+          </a:xfrm>
+          <a:prstGeom prst="rect">
+            <a:avLst/>
+          </a:prstGeom>
+          <a:noFill/>
+        </p:spPr>
+        <p:txBody>
+          <a:bodyPr wrap="square" rtlCol="0">
+            <a:spAutoFit/>
+          </a:bodyPr>
+          <a:lstStyle/>
+          <a:p>
+            <a:pPr algn="ctr"/>
+            <a:r>
+              <a:rPr lang="en-US" sz="800" dirty="0">
+                <a:latin typeface="Avenir Book" panose="02000503020000020003" pitchFamily="2" charset="0"/>
+              </a:rPr>
+              <a:t>98</a:t>
+            </a:r>
+          </a:p>
+        </p:txBody>
+      </p:sp>
+      <p:sp>
+        <p:nvSpPr>
+          <p:cNvPr id="21" name="TextBox 20">
+            <a:extLst>
+              <a:ext uri="{FF2B5EF4-FFF2-40B4-BE49-F238E27FC236}">
+                <a16:creationId xmlns:a16="http://schemas.microsoft.com/office/drawing/2014/main" id="{759C848F-E773-C21B-36FC-023202CDC0B3}"/>
+              </a:ext>
+            </a:extLst>
+          </p:cNvPr>
+          <p:cNvSpPr txBox="1"/>
+          <p:nvPr/>
+        </p:nvSpPr>
+        <p:spPr>
+          <a:xfrm>
+            <a:off x="3079749" y="5393939"/>
+            <a:ext cx="815975" cy="215444"/>
+          </a:xfrm>
+          <a:prstGeom prst="rect">
+            <a:avLst/>
+          </a:prstGeom>
+          <a:noFill/>
+        </p:spPr>
+        <p:txBody>
+          <a:bodyPr wrap="square" rtlCol="0">
+            <a:spAutoFit/>
+          </a:bodyPr>
+          <a:lstStyle/>
+          <a:p>
+            <a:pPr algn="ctr"/>
+            <a:r>
+              <a:rPr lang="en-US" sz="800" dirty="0">
+                <a:latin typeface="Avenir Book" panose="02000503020000020003" pitchFamily="2" charset="0"/>
+              </a:rPr>
+              <a:t>99</a:t>
+            </a:r>
+          </a:p>
+        </p:txBody>
+      </p:sp>
+    </p:spTree>
+    <p:extLst>
+      <p:ext uri="{BB962C8B-B14F-4D97-AF65-F5344CB8AC3E}">
+        <p14:creationId xmlns:p14="http://schemas.microsoft.com/office/powerpoint/2010/main" val="1297414458"/>
+      </p:ext>
+    </p:extLst>
+  </p:cSld>
+  <p:clrMapOvr>
+    <a:masterClrMapping/>
+  </p:clrMapOvr>
+</p:sld>
+</file>
+
+<file path=ppt/slides/slide4.xml><?xml version="1.0" encoding="utf-8"?>
+<p:sld xmlns:a="http://schemas.openxmlformats.org/drawingml/2006/main" xmlns:r="http://schemas.openxmlformats.org/officeDocument/2006/relationships" xmlns:p="http://schemas.openxmlformats.org/presentationml/2006/main">
+  <p:cSld>
+    <p:spTree>
+      <p:nvGrpSpPr>
+        <p:cNvPr id="1" name=""/>
+        <p:cNvGrpSpPr/>
+        <p:nvPr/>
+      </p:nvGrpSpPr>
+      <p:grpSpPr>
+        <a:xfrm>
+          <a:off x="0" y="0"/>
+          <a:ext cx="0" cy="0"/>
+          <a:chOff x="0" y="0"/>
+          <a:chExt cx="0" cy="0"/>
+        </a:xfrm>
+      </p:grpSpPr>
+      <p:pic>
+        <p:nvPicPr>
+          <p:cNvPr id="5" name="Picture 4">
+            <a:extLst>
+              <a:ext uri="{FF2B5EF4-FFF2-40B4-BE49-F238E27FC236}">
+                <a16:creationId xmlns:a16="http://schemas.microsoft.com/office/drawing/2014/main" id="{7EC1DAAF-6F88-A0E3-EF44-3C7A61CFC21F}"/>
+              </a:ext>
+            </a:extLst>
+          </p:cNvPr>
+          <p:cNvPicPr>
+            <a:picLocks noChangeAspect="1"/>
+          </p:cNvPicPr>
+          <p:nvPr/>
+        </p:nvPicPr>
+        <p:blipFill>
+          <a:blip r:embed="rId2"/>
+          <a:stretch>
+            <a:fillRect/>
+          </a:stretch>
+        </p:blipFill>
+        <p:spPr>
+          <a:xfrm>
+            <a:off x="1042930" y="269748"/>
+            <a:ext cx="10106140" cy="6318504"/>
+          </a:xfrm>
+          <a:prstGeom prst="rect">
+            <a:avLst/>
+          </a:prstGeom>
+        </p:spPr>
+      </p:pic>
+      <p:sp>
+        <p:nvSpPr>
+          <p:cNvPr id="19" name="TextBox 18">
+            <a:extLst>
+              <a:ext uri="{FF2B5EF4-FFF2-40B4-BE49-F238E27FC236}">
+                <a16:creationId xmlns:a16="http://schemas.microsoft.com/office/drawing/2014/main" id="{DF77DC4F-93CF-F1C9-217B-2BF2465DC3E9}"/>
+              </a:ext>
+            </a:extLst>
+          </p:cNvPr>
+          <p:cNvSpPr txBox="1"/>
+          <p:nvPr/>
+        </p:nvSpPr>
+        <p:spPr>
+          <a:xfrm>
+            <a:off x="4460882" y="1150499"/>
+            <a:ext cx="300082" cy="215444"/>
+          </a:xfrm>
+          <a:prstGeom prst="rect">
+            <a:avLst/>
+          </a:prstGeom>
+          <a:noFill/>
+        </p:spPr>
+        <p:txBody>
+          <a:bodyPr wrap="none" rtlCol="0">
+            <a:spAutoFit/>
+          </a:bodyPr>
+          <a:lstStyle/>
+          <a:p>
+            <a:r>
+              <a:rPr lang="en-US" sz="800" dirty="0">
+                <a:latin typeface="Avenir Book" panose="02000503020000020003" pitchFamily="2" charset="0"/>
+              </a:rPr>
+              <a:t>56</a:t>
+            </a:r>
+          </a:p>
+        </p:txBody>
+      </p:sp>
+      <p:cxnSp>
+        <p:nvCxnSpPr>
+          <p:cNvPr id="20" name="Straight Connector 19">
+            <a:extLst>
+              <a:ext uri="{FF2B5EF4-FFF2-40B4-BE49-F238E27FC236}">
+                <a16:creationId xmlns:a16="http://schemas.microsoft.com/office/drawing/2014/main" id="{40D4E1FB-5742-5363-7FE3-67A7622D66F5}"/>
+              </a:ext>
+            </a:extLst>
+          </p:cNvPr>
+          <p:cNvCxnSpPr>
+            <a:cxnSpLocks/>
+          </p:cNvCxnSpPr>
+          <p:nvPr/>
+        </p:nvCxnSpPr>
+        <p:spPr>
+          <a:xfrm>
+            <a:off x="4680720" y="1303906"/>
+            <a:ext cx="188637" cy="168524"/>
+          </a:xfrm>
+          <a:prstGeom prst="line">
+            <a:avLst/>
+          </a:prstGeom>
+          <a:ln w="6350">
+            <a:solidFill>
+              <a:schemeClr val="bg1">
+                <a:lumMod val="50000"/>
+              </a:schemeClr>
+            </a:solidFill>
+          </a:ln>
+        </p:spPr>
+        <p:style>
+          <a:lnRef idx="2">
+            <a:schemeClr val="accent1"/>
+          </a:lnRef>
+          <a:fillRef idx="0">
+            <a:schemeClr val="accent1"/>
+          </a:fillRef>
+          <a:effectRef idx="1">
+            <a:schemeClr val="accent1"/>
+          </a:effectRef>
+          <a:fontRef idx="minor">
+            <a:schemeClr val="tx1"/>
+          </a:fontRef>
+        </p:style>
+      </p:cxnSp>
+      <p:sp>
+        <p:nvSpPr>
+          <p:cNvPr id="21" name="TextBox 20">
+            <a:extLst>
+              <a:ext uri="{FF2B5EF4-FFF2-40B4-BE49-F238E27FC236}">
+                <a16:creationId xmlns:a16="http://schemas.microsoft.com/office/drawing/2014/main" id="{9D42FA4D-881C-229E-9742-1710037DABAC}"/>
+              </a:ext>
+            </a:extLst>
+          </p:cNvPr>
+          <p:cNvSpPr txBox="1"/>
+          <p:nvPr/>
+        </p:nvSpPr>
+        <p:spPr>
+          <a:xfrm>
+            <a:off x="4532737" y="1743222"/>
+            <a:ext cx="300082" cy="215444"/>
+          </a:xfrm>
+          <a:prstGeom prst="rect">
+            <a:avLst/>
+          </a:prstGeom>
+          <a:noFill/>
+        </p:spPr>
+        <p:txBody>
+          <a:bodyPr wrap="none" rtlCol="0">
+            <a:spAutoFit/>
+          </a:bodyPr>
+          <a:lstStyle/>
+          <a:p>
+            <a:r>
+              <a:rPr lang="en-US" sz="800" dirty="0">
+                <a:latin typeface="Avenir Book" panose="02000503020000020003" pitchFamily="2" charset="0"/>
+              </a:rPr>
+              <a:t>46</a:t>
+            </a:r>
+          </a:p>
+        </p:txBody>
+      </p:sp>
+      <p:cxnSp>
+        <p:nvCxnSpPr>
+          <p:cNvPr id="22" name="Straight Connector 21">
+            <a:extLst>
+              <a:ext uri="{FF2B5EF4-FFF2-40B4-BE49-F238E27FC236}">
+                <a16:creationId xmlns:a16="http://schemas.microsoft.com/office/drawing/2014/main" id="{397575F7-A258-C8F2-3757-FF23C027EAF7}"/>
+              </a:ext>
+            </a:extLst>
+          </p:cNvPr>
+          <p:cNvCxnSpPr>
+            <a:cxnSpLocks/>
+          </p:cNvCxnSpPr>
+          <p:nvPr/>
+        </p:nvCxnSpPr>
+        <p:spPr>
+          <a:xfrm>
+            <a:off x="4752575" y="1896629"/>
+            <a:ext cx="188637" cy="168524"/>
+          </a:xfrm>
+          <a:prstGeom prst="line">
+            <a:avLst/>
+          </a:prstGeom>
+          <a:ln w="6350">
+            <a:solidFill>
+              <a:schemeClr val="bg1">
+                <a:lumMod val="50000"/>
+              </a:schemeClr>
+            </a:solidFill>
+          </a:ln>
+        </p:spPr>
+        <p:style>
+          <a:lnRef idx="2">
+            <a:schemeClr val="accent1"/>
+          </a:lnRef>
+          <a:fillRef idx="0">
+            <a:schemeClr val="accent1"/>
+          </a:fillRef>
+          <a:effectRef idx="1">
+            <a:schemeClr val="accent1"/>
+          </a:effectRef>
+          <a:fontRef idx="minor">
+            <a:schemeClr val="tx1"/>
+          </a:fontRef>
+        </p:style>
+      </p:cxnSp>
+      <p:sp>
+        <p:nvSpPr>
+          <p:cNvPr id="23" name="TextBox 22">
+            <a:extLst>
+              <a:ext uri="{FF2B5EF4-FFF2-40B4-BE49-F238E27FC236}">
+                <a16:creationId xmlns:a16="http://schemas.microsoft.com/office/drawing/2014/main" id="{9782C089-10CB-6831-FE02-41FC185BE570}"/>
+              </a:ext>
+            </a:extLst>
+          </p:cNvPr>
+          <p:cNvSpPr txBox="1"/>
+          <p:nvPr/>
+        </p:nvSpPr>
+        <p:spPr>
+          <a:xfrm>
+            <a:off x="4784563" y="2633475"/>
+            <a:ext cx="300082" cy="215444"/>
+          </a:xfrm>
+          <a:prstGeom prst="rect">
+            <a:avLst/>
+          </a:prstGeom>
+          <a:noFill/>
+        </p:spPr>
+        <p:txBody>
+          <a:bodyPr wrap="none" rtlCol="0">
+            <a:spAutoFit/>
+          </a:bodyPr>
+          <a:lstStyle/>
+          <a:p>
+            <a:r>
+              <a:rPr lang="en-US" sz="800" dirty="0">
+                <a:latin typeface="Avenir Book" panose="02000503020000020003" pitchFamily="2" charset="0"/>
+              </a:rPr>
+              <a:t>77</a:t>
+            </a:r>
+          </a:p>
+        </p:txBody>
+      </p:sp>
+      <p:cxnSp>
+        <p:nvCxnSpPr>
+          <p:cNvPr id="24" name="Straight Connector 23">
+            <a:extLst>
+              <a:ext uri="{FF2B5EF4-FFF2-40B4-BE49-F238E27FC236}">
+                <a16:creationId xmlns:a16="http://schemas.microsoft.com/office/drawing/2014/main" id="{ACAEE568-59E4-9D86-5EB9-0CC207DD613E}"/>
+              </a:ext>
+            </a:extLst>
+          </p:cNvPr>
+          <p:cNvCxnSpPr>
+            <a:cxnSpLocks/>
+          </p:cNvCxnSpPr>
+          <p:nvPr/>
+        </p:nvCxnSpPr>
+        <p:spPr>
+          <a:xfrm flipV="1">
+            <a:off x="4994275" y="2539481"/>
+            <a:ext cx="66894" cy="127519"/>
+          </a:xfrm>
+          <a:prstGeom prst="line">
+            <a:avLst/>
+          </a:prstGeom>
+          <a:ln w="6350">
+            <a:solidFill>
+              <a:schemeClr val="bg1">
+                <a:lumMod val="50000"/>
+              </a:schemeClr>
+            </a:solidFill>
+          </a:ln>
+        </p:spPr>
+        <p:style>
+          <a:lnRef idx="2">
+            <a:schemeClr val="accent1"/>
+          </a:lnRef>
+          <a:fillRef idx="0">
+            <a:schemeClr val="accent1"/>
+          </a:fillRef>
+          <a:effectRef idx="1">
+            <a:schemeClr val="accent1"/>
+          </a:effectRef>
+          <a:fontRef idx="minor">
+            <a:schemeClr val="tx1"/>
+          </a:fontRef>
+        </p:style>
+      </p:cxnSp>
+      <p:sp>
+        <p:nvSpPr>
+          <p:cNvPr id="25" name="TextBox 24">
+            <a:extLst>
+              <a:ext uri="{FF2B5EF4-FFF2-40B4-BE49-F238E27FC236}">
+                <a16:creationId xmlns:a16="http://schemas.microsoft.com/office/drawing/2014/main" id="{EFBCFA95-328C-18E8-708F-7F295310751D}"/>
+              </a:ext>
+            </a:extLst>
+          </p:cNvPr>
+          <p:cNvSpPr txBox="1"/>
+          <p:nvPr/>
+        </p:nvSpPr>
+        <p:spPr>
+          <a:xfrm>
+            <a:off x="4460882" y="2263312"/>
+            <a:ext cx="349243" cy="215444"/>
+          </a:xfrm>
+          <a:prstGeom prst="rect">
+            <a:avLst/>
+          </a:prstGeom>
+          <a:noFill/>
+        </p:spPr>
+        <p:txBody>
+          <a:bodyPr wrap="square" rtlCol="0">
+            <a:spAutoFit/>
+          </a:bodyPr>
+          <a:lstStyle/>
+          <a:p>
+            <a:pPr algn="ctr"/>
+            <a:r>
+              <a:rPr lang="en-US" sz="800" dirty="0">
+                <a:latin typeface="Avenir Book" panose="02000503020000020003" pitchFamily="2" charset="0"/>
+              </a:rPr>
+              <a:t>79</a:t>
+            </a:r>
+          </a:p>
+        </p:txBody>
+      </p:sp>
+      <p:sp>
+        <p:nvSpPr>
+          <p:cNvPr id="26" name="TextBox 25">
+            <a:extLst>
+              <a:ext uri="{FF2B5EF4-FFF2-40B4-BE49-F238E27FC236}">
+                <a16:creationId xmlns:a16="http://schemas.microsoft.com/office/drawing/2014/main" id="{CB2912CC-7DA2-CAAD-FF80-3146BCC971FF}"/>
+              </a:ext>
+            </a:extLst>
+          </p:cNvPr>
+          <p:cNvSpPr txBox="1"/>
+          <p:nvPr/>
+        </p:nvSpPr>
+        <p:spPr>
+          <a:xfrm>
+            <a:off x="4753645" y="3240833"/>
+            <a:ext cx="413312" cy="215444"/>
+          </a:xfrm>
+          <a:prstGeom prst="rect">
+            <a:avLst/>
+          </a:prstGeom>
+          <a:noFill/>
+        </p:spPr>
+        <p:txBody>
+          <a:bodyPr wrap="square" rtlCol="0">
+            <a:spAutoFit/>
+          </a:bodyPr>
+          <a:lstStyle/>
+          <a:p>
+            <a:pPr algn="ctr"/>
+            <a:r>
+              <a:rPr lang="en-US" sz="800" dirty="0">
+                <a:latin typeface="Avenir Book" panose="02000503020000020003" pitchFamily="2" charset="0"/>
+              </a:rPr>
+              <a:t>100</a:t>
+            </a:r>
+          </a:p>
+        </p:txBody>
+      </p:sp>
+      <p:sp>
+        <p:nvSpPr>
+          <p:cNvPr id="27" name="TextBox 26">
+            <a:extLst>
+              <a:ext uri="{FF2B5EF4-FFF2-40B4-BE49-F238E27FC236}">
+                <a16:creationId xmlns:a16="http://schemas.microsoft.com/office/drawing/2014/main" id="{16DE7318-162A-3BE0-D1DC-5710C26E7F3F}"/>
+              </a:ext>
+            </a:extLst>
+          </p:cNvPr>
+          <p:cNvSpPr txBox="1"/>
+          <p:nvPr/>
+        </p:nvSpPr>
+        <p:spPr>
+          <a:xfrm>
+            <a:off x="4007520" y="3034914"/>
+            <a:ext cx="453362" cy="215444"/>
+          </a:xfrm>
+          <a:prstGeom prst="rect">
+            <a:avLst/>
+          </a:prstGeom>
+          <a:noFill/>
+        </p:spPr>
+        <p:txBody>
+          <a:bodyPr wrap="square" rtlCol="0">
+            <a:spAutoFit/>
+          </a:bodyPr>
+          <a:lstStyle/>
+          <a:p>
+            <a:pPr algn="ctr"/>
+            <a:r>
+              <a:rPr lang="en-US" sz="800" dirty="0">
+                <a:latin typeface="Avenir Book" panose="02000503020000020003" pitchFamily="2" charset="0"/>
+              </a:rPr>
+              <a:t>91</a:t>
+            </a:r>
+          </a:p>
+        </p:txBody>
+      </p:sp>
+      <p:sp>
+        <p:nvSpPr>
+          <p:cNvPr id="28" name="TextBox 27">
+            <a:extLst>
+              <a:ext uri="{FF2B5EF4-FFF2-40B4-BE49-F238E27FC236}">
+                <a16:creationId xmlns:a16="http://schemas.microsoft.com/office/drawing/2014/main" id="{C19FC276-C583-CEAF-2CF1-389F80EAD1A0}"/>
+              </a:ext>
+            </a:extLst>
+          </p:cNvPr>
+          <p:cNvSpPr txBox="1"/>
+          <p:nvPr/>
+        </p:nvSpPr>
+        <p:spPr>
+          <a:xfrm>
+            <a:off x="3759870" y="3733414"/>
+            <a:ext cx="314325" cy="215444"/>
+          </a:xfrm>
+          <a:prstGeom prst="rect">
+            <a:avLst/>
+          </a:prstGeom>
+          <a:noFill/>
+        </p:spPr>
+        <p:txBody>
+          <a:bodyPr wrap="square" rtlCol="0">
+            <a:spAutoFit/>
+          </a:bodyPr>
+          <a:lstStyle/>
+          <a:p>
+            <a:pPr algn="ctr"/>
+            <a:r>
+              <a:rPr lang="en-US" sz="800" dirty="0">
+                <a:latin typeface="Avenir Book" panose="02000503020000020003" pitchFamily="2" charset="0"/>
+              </a:rPr>
+              <a:t>52</a:t>
+            </a:r>
+          </a:p>
+        </p:txBody>
+      </p:sp>
+      <p:sp>
+        <p:nvSpPr>
+          <p:cNvPr id="29" name="TextBox 28">
+            <a:extLst>
+              <a:ext uri="{FF2B5EF4-FFF2-40B4-BE49-F238E27FC236}">
+                <a16:creationId xmlns:a16="http://schemas.microsoft.com/office/drawing/2014/main" id="{4B268A67-E646-437A-3C3C-402EACB6C9C7}"/>
+              </a:ext>
+            </a:extLst>
+          </p:cNvPr>
+          <p:cNvSpPr txBox="1"/>
+          <p:nvPr/>
+        </p:nvSpPr>
+        <p:spPr>
+          <a:xfrm>
+            <a:off x="3079750" y="4304914"/>
+            <a:ext cx="749300" cy="215444"/>
+          </a:xfrm>
+          <a:prstGeom prst="rect">
+            <a:avLst/>
+          </a:prstGeom>
+          <a:noFill/>
+        </p:spPr>
+        <p:txBody>
+          <a:bodyPr wrap="square" rtlCol="0">
+            <a:spAutoFit/>
+          </a:bodyPr>
+          <a:lstStyle/>
+          <a:p>
+            <a:pPr algn="ctr"/>
+            <a:r>
+              <a:rPr lang="en-US" sz="800" dirty="0">
+                <a:latin typeface="Avenir Book" panose="02000503020000020003" pitchFamily="2" charset="0"/>
+              </a:rPr>
+              <a:t>98</a:t>
+            </a:r>
+          </a:p>
+        </p:txBody>
+      </p:sp>
+      <p:sp>
+        <p:nvSpPr>
+          <p:cNvPr id="30" name="TextBox 29">
+            <a:extLst>
+              <a:ext uri="{FF2B5EF4-FFF2-40B4-BE49-F238E27FC236}">
+                <a16:creationId xmlns:a16="http://schemas.microsoft.com/office/drawing/2014/main" id="{A62E2E61-230E-D309-8517-99ACA16B0EC6}"/>
+              </a:ext>
+            </a:extLst>
+          </p:cNvPr>
+          <p:cNvSpPr txBox="1"/>
+          <p:nvPr/>
+        </p:nvSpPr>
+        <p:spPr>
+          <a:xfrm>
+            <a:off x="3079749" y="5393939"/>
+            <a:ext cx="815975" cy="215444"/>
+          </a:xfrm>
+          <a:prstGeom prst="rect">
+            <a:avLst/>
+          </a:prstGeom>
+          <a:noFill/>
+        </p:spPr>
+        <p:txBody>
+          <a:bodyPr wrap="square" rtlCol="0">
+            <a:spAutoFit/>
+          </a:bodyPr>
+          <a:lstStyle/>
+          <a:p>
+            <a:pPr algn="ctr"/>
+            <a:r>
+              <a:rPr lang="en-US" sz="800" dirty="0">
+                <a:latin typeface="Avenir Book" panose="02000503020000020003" pitchFamily="2" charset="0"/>
+              </a:rPr>
+              <a:t>99</a:t>
+            </a:r>
+          </a:p>
+        </p:txBody>
+      </p:sp>
+    </p:spTree>
+    <p:extLst>
+      <p:ext uri="{BB962C8B-B14F-4D97-AF65-F5344CB8AC3E}">
+        <p14:creationId xmlns:p14="http://schemas.microsoft.com/office/powerpoint/2010/main" val="519844243"/>
+      </p:ext>
+    </p:extLst>
+  </p:cSld>
+  <p:clrMapOvr>
+    <a:masterClrMapping/>
+  </p:clrMapOvr>
+</p:sld>
+</file>
+
 <file path=ppt/theme/theme1.xml><?xml version="1.0" encoding="utf-8"?>
 <a:theme xmlns:a="http://schemas.openxmlformats.org/drawingml/2006/main" name="Office Theme">
   <a:themeElements>

--- a/03_phylogenies_20241129/iqtree-20241129.pptx
+++ b/03_phylogenies_20241129/iqtree-20241129.pptx
@@ -4524,510 +4524,531 @@
           <a:chExt cx="0" cy="0"/>
         </a:xfrm>
       </p:grpSpPr>
-      <p:pic>
-        <p:nvPicPr>
-          <p:cNvPr id="7" name="Picture 6">
-            <a:extLst>
-              <a:ext uri="{FF2B5EF4-FFF2-40B4-BE49-F238E27FC236}">
-                <a16:creationId xmlns:a16="http://schemas.microsoft.com/office/drawing/2014/main" id="{A8A78300-669D-EEEB-BBCB-56A3A6D8EA24}"/>
-              </a:ext>
-            </a:extLst>
-          </p:cNvPr>
-          <p:cNvPicPr>
-            <a:picLocks noGrp="1" noRot="1" noChangeAspect="1" noMove="1" noResize="1" noEditPoints="1" noAdjustHandles="1" noChangeArrowheads="1" noChangeShapeType="1" noCrop="1"/>
-          </p:cNvPicPr>
+      <p:grpSp>
+        <p:nvGrpSpPr>
+          <p:cNvPr id="22" name="Group 21">
+            <a:extLst>
+              <a:ext uri="{FF2B5EF4-FFF2-40B4-BE49-F238E27FC236}">
+                <a16:creationId xmlns:a16="http://schemas.microsoft.com/office/drawing/2014/main" id="{AA851A0F-76C2-CE13-2722-48220436FACE}"/>
+              </a:ext>
+            </a:extLst>
+          </p:cNvPr>
+          <p:cNvGrpSpPr/>
           <p:nvPr/>
-        </p:nvPicPr>
-        <p:blipFill>
-          <a:blip r:embed="rId2"/>
-          <a:stretch>
-            <a:fillRect/>
-          </a:stretch>
-        </p:blipFill>
-        <p:spPr>
+        </p:nvGrpSpPr>
+        <p:grpSpPr>
           <a:xfrm>
             <a:off x="1041101" y="268605"/>
             <a:ext cx="10109797" cy="6320790"/>
+            <a:chOff x="1041101" y="268605"/>
+            <a:chExt cx="10109797" cy="6320790"/>
           </a:xfrm>
-          <a:prstGeom prst="rect">
-            <a:avLst/>
-          </a:prstGeom>
-        </p:spPr>
-      </p:pic>
-      <p:sp>
-        <p:nvSpPr>
-          <p:cNvPr id="8" name="TextBox 7">
-            <a:extLst>
-              <a:ext uri="{FF2B5EF4-FFF2-40B4-BE49-F238E27FC236}">
-                <a16:creationId xmlns:a16="http://schemas.microsoft.com/office/drawing/2014/main" id="{D40FD713-BEB0-8A22-9F0F-4B5FF4A0D88E}"/>
-              </a:ext>
-            </a:extLst>
-          </p:cNvPr>
-          <p:cNvSpPr txBox="1"/>
-          <p:nvPr/>
-        </p:nvSpPr>
-        <p:spPr>
-          <a:xfrm>
-            <a:off x="4460882" y="1150499"/>
-            <a:ext cx="300082" cy="215444"/>
-          </a:xfrm>
-          <a:prstGeom prst="rect">
-            <a:avLst/>
-          </a:prstGeom>
-          <a:noFill/>
-        </p:spPr>
-        <p:txBody>
-          <a:bodyPr wrap="none" rtlCol="0">
-            <a:spAutoFit/>
-          </a:bodyPr>
-          <a:lstStyle/>
-          <a:p>
-            <a:r>
-              <a:rPr lang="en-US" sz="800" dirty="0">
-                <a:latin typeface="Avenir Book" panose="02000503020000020003" pitchFamily="2" charset="0"/>
-              </a:rPr>
-              <a:t>56</a:t>
-            </a:r>
-          </a:p>
-        </p:txBody>
-      </p:sp>
-      <p:cxnSp>
-        <p:nvCxnSpPr>
-          <p:cNvPr id="9" name="Straight Connector 8">
-            <a:extLst>
-              <a:ext uri="{FF2B5EF4-FFF2-40B4-BE49-F238E27FC236}">
-                <a16:creationId xmlns:a16="http://schemas.microsoft.com/office/drawing/2014/main" id="{96D976BE-D155-CE98-0D91-F0F821AD1EAC}"/>
-              </a:ext>
-            </a:extLst>
-          </p:cNvPr>
-          <p:cNvCxnSpPr>
-            <a:cxnSpLocks/>
-          </p:cNvCxnSpPr>
-          <p:nvPr/>
-        </p:nvCxnSpPr>
-        <p:spPr>
-          <a:xfrm>
-            <a:off x="4680720" y="1303906"/>
-            <a:ext cx="188637" cy="168524"/>
-          </a:xfrm>
-          <a:prstGeom prst="line">
-            <a:avLst/>
-          </a:prstGeom>
-          <a:ln w="6350">
-            <a:solidFill>
-              <a:schemeClr val="bg1">
-                <a:lumMod val="50000"/>
-              </a:schemeClr>
-            </a:solidFill>
-          </a:ln>
-        </p:spPr>
-        <p:style>
-          <a:lnRef idx="2">
-            <a:schemeClr val="accent1"/>
-          </a:lnRef>
-          <a:fillRef idx="0">
-            <a:schemeClr val="accent1"/>
-          </a:fillRef>
-          <a:effectRef idx="1">
-            <a:schemeClr val="accent1"/>
-          </a:effectRef>
-          <a:fontRef idx="minor">
-            <a:schemeClr val="tx1"/>
-          </a:fontRef>
-        </p:style>
-      </p:cxnSp>
-      <p:sp>
-        <p:nvSpPr>
-          <p:cNvPr id="10" name="TextBox 9">
-            <a:extLst>
-              <a:ext uri="{FF2B5EF4-FFF2-40B4-BE49-F238E27FC236}">
-                <a16:creationId xmlns:a16="http://schemas.microsoft.com/office/drawing/2014/main" id="{7541D8C7-BA44-801C-D443-2669319E1BA1}"/>
-              </a:ext>
-            </a:extLst>
-          </p:cNvPr>
-          <p:cNvSpPr txBox="1"/>
-          <p:nvPr/>
-        </p:nvSpPr>
-        <p:spPr>
-          <a:xfrm>
-            <a:off x="4532737" y="1743222"/>
-            <a:ext cx="300082" cy="215444"/>
-          </a:xfrm>
-          <a:prstGeom prst="rect">
-            <a:avLst/>
-          </a:prstGeom>
-          <a:noFill/>
-        </p:spPr>
-        <p:txBody>
-          <a:bodyPr wrap="none" rtlCol="0">
-            <a:spAutoFit/>
-          </a:bodyPr>
-          <a:lstStyle/>
-          <a:p>
-            <a:r>
-              <a:rPr lang="en-US" sz="800" dirty="0">
-                <a:latin typeface="Avenir Book" panose="02000503020000020003" pitchFamily="2" charset="0"/>
-              </a:rPr>
-              <a:t>46</a:t>
-            </a:r>
-          </a:p>
-        </p:txBody>
-      </p:sp>
-      <p:cxnSp>
-        <p:nvCxnSpPr>
-          <p:cNvPr id="11" name="Straight Connector 10">
-            <a:extLst>
-              <a:ext uri="{FF2B5EF4-FFF2-40B4-BE49-F238E27FC236}">
-                <a16:creationId xmlns:a16="http://schemas.microsoft.com/office/drawing/2014/main" id="{7FA07436-4203-A864-ADCB-305349C87C1D}"/>
-              </a:ext>
-            </a:extLst>
-          </p:cNvPr>
-          <p:cNvCxnSpPr>
-            <a:cxnSpLocks/>
-          </p:cNvCxnSpPr>
-          <p:nvPr/>
-        </p:nvCxnSpPr>
-        <p:spPr>
-          <a:xfrm>
-            <a:off x="4752575" y="1896629"/>
-            <a:ext cx="188637" cy="168524"/>
-          </a:xfrm>
-          <a:prstGeom prst="line">
-            <a:avLst/>
-          </a:prstGeom>
-          <a:ln w="6350">
-            <a:solidFill>
-              <a:schemeClr val="bg1">
-                <a:lumMod val="50000"/>
-              </a:schemeClr>
-            </a:solidFill>
-          </a:ln>
-        </p:spPr>
-        <p:style>
-          <a:lnRef idx="2">
-            <a:schemeClr val="accent1"/>
-          </a:lnRef>
-          <a:fillRef idx="0">
-            <a:schemeClr val="accent1"/>
-          </a:fillRef>
-          <a:effectRef idx="1">
-            <a:schemeClr val="accent1"/>
-          </a:effectRef>
-          <a:fontRef idx="minor">
-            <a:schemeClr val="tx1"/>
-          </a:fontRef>
-        </p:style>
-      </p:cxnSp>
-      <p:sp>
-        <p:nvSpPr>
-          <p:cNvPr id="12" name="TextBox 11">
-            <a:extLst>
-              <a:ext uri="{FF2B5EF4-FFF2-40B4-BE49-F238E27FC236}">
-                <a16:creationId xmlns:a16="http://schemas.microsoft.com/office/drawing/2014/main" id="{202A458A-69D1-03B4-A83D-2F6F75B14446}"/>
-              </a:ext>
-            </a:extLst>
-          </p:cNvPr>
-          <p:cNvSpPr txBox="1"/>
-          <p:nvPr/>
-        </p:nvSpPr>
-        <p:spPr>
-          <a:xfrm>
-            <a:off x="4784563" y="2633475"/>
-            <a:ext cx="300082" cy="215444"/>
-          </a:xfrm>
-          <a:prstGeom prst="rect">
-            <a:avLst/>
-          </a:prstGeom>
-          <a:noFill/>
-        </p:spPr>
-        <p:txBody>
-          <a:bodyPr wrap="none" rtlCol="0">
-            <a:spAutoFit/>
-          </a:bodyPr>
-          <a:lstStyle/>
-          <a:p>
-            <a:r>
-              <a:rPr lang="en-US" sz="800" dirty="0">
-                <a:latin typeface="Avenir Book" panose="02000503020000020003" pitchFamily="2" charset="0"/>
-              </a:rPr>
-              <a:t>77</a:t>
-            </a:r>
-          </a:p>
-        </p:txBody>
-      </p:sp>
-      <p:cxnSp>
-        <p:nvCxnSpPr>
-          <p:cNvPr id="13" name="Straight Connector 12">
-            <a:extLst>
-              <a:ext uri="{FF2B5EF4-FFF2-40B4-BE49-F238E27FC236}">
-                <a16:creationId xmlns:a16="http://schemas.microsoft.com/office/drawing/2014/main" id="{69B8FAE2-C004-BB20-5952-1A057D588283}"/>
-              </a:ext>
-            </a:extLst>
-          </p:cNvPr>
-          <p:cNvCxnSpPr>
-            <a:cxnSpLocks/>
-          </p:cNvCxnSpPr>
-          <p:nvPr/>
-        </p:nvCxnSpPr>
-        <p:spPr>
-          <a:xfrm flipV="1">
-            <a:off x="4994275" y="2539481"/>
-            <a:ext cx="66894" cy="127519"/>
-          </a:xfrm>
-          <a:prstGeom prst="line">
-            <a:avLst/>
-          </a:prstGeom>
-          <a:ln w="6350">
-            <a:solidFill>
-              <a:schemeClr val="bg1">
-                <a:lumMod val="50000"/>
-              </a:schemeClr>
-            </a:solidFill>
-          </a:ln>
-        </p:spPr>
-        <p:style>
-          <a:lnRef idx="2">
-            <a:schemeClr val="accent1"/>
-          </a:lnRef>
-          <a:fillRef idx="0">
-            <a:schemeClr val="accent1"/>
-          </a:fillRef>
-          <a:effectRef idx="1">
-            <a:schemeClr val="accent1"/>
-          </a:effectRef>
-          <a:fontRef idx="minor">
-            <a:schemeClr val="tx1"/>
-          </a:fontRef>
-        </p:style>
-      </p:cxnSp>
-      <p:sp>
-        <p:nvSpPr>
-          <p:cNvPr id="16" name="TextBox 15">
-            <a:extLst>
-              <a:ext uri="{FF2B5EF4-FFF2-40B4-BE49-F238E27FC236}">
-                <a16:creationId xmlns:a16="http://schemas.microsoft.com/office/drawing/2014/main" id="{3C6D3A7F-AD29-9904-3205-3CDFEF201ACF}"/>
-              </a:ext>
-            </a:extLst>
-          </p:cNvPr>
-          <p:cNvSpPr txBox="1"/>
-          <p:nvPr/>
-        </p:nvSpPr>
-        <p:spPr>
-          <a:xfrm>
-            <a:off x="4460882" y="2263312"/>
-            <a:ext cx="349243" cy="215444"/>
-          </a:xfrm>
-          <a:prstGeom prst="rect">
-            <a:avLst/>
-          </a:prstGeom>
-          <a:noFill/>
-        </p:spPr>
-        <p:txBody>
-          <a:bodyPr wrap="square" rtlCol="0">
-            <a:spAutoFit/>
-          </a:bodyPr>
-          <a:lstStyle/>
-          <a:p>
-            <a:pPr algn="ctr"/>
-            <a:r>
-              <a:rPr lang="en-US" sz="800" dirty="0">
-                <a:latin typeface="Avenir Book" panose="02000503020000020003" pitchFamily="2" charset="0"/>
-              </a:rPr>
-              <a:t>79</a:t>
-            </a:r>
-          </a:p>
-        </p:txBody>
-      </p:sp>
-      <p:sp>
-        <p:nvSpPr>
-          <p:cNvPr id="17" name="TextBox 16">
-            <a:extLst>
-              <a:ext uri="{FF2B5EF4-FFF2-40B4-BE49-F238E27FC236}">
-                <a16:creationId xmlns:a16="http://schemas.microsoft.com/office/drawing/2014/main" id="{49AFE116-91C3-CB07-E609-7F1C9F62D341}"/>
-              </a:ext>
-            </a:extLst>
-          </p:cNvPr>
-          <p:cNvSpPr txBox="1"/>
-          <p:nvPr/>
-        </p:nvSpPr>
-        <p:spPr>
-          <a:xfrm>
-            <a:off x="4753645" y="3240833"/>
-            <a:ext cx="413312" cy="215444"/>
-          </a:xfrm>
-          <a:prstGeom prst="rect">
-            <a:avLst/>
-          </a:prstGeom>
-          <a:noFill/>
-        </p:spPr>
-        <p:txBody>
-          <a:bodyPr wrap="square" rtlCol="0">
-            <a:spAutoFit/>
-          </a:bodyPr>
-          <a:lstStyle/>
-          <a:p>
-            <a:pPr algn="ctr"/>
-            <a:r>
-              <a:rPr lang="en-US" sz="800" dirty="0">
-                <a:latin typeface="Avenir Book" panose="02000503020000020003" pitchFamily="2" charset="0"/>
-              </a:rPr>
-              <a:t>100</a:t>
-            </a:r>
-          </a:p>
-        </p:txBody>
-      </p:sp>
-      <p:sp>
-        <p:nvSpPr>
-          <p:cNvPr id="18" name="TextBox 17">
-            <a:extLst>
-              <a:ext uri="{FF2B5EF4-FFF2-40B4-BE49-F238E27FC236}">
-                <a16:creationId xmlns:a16="http://schemas.microsoft.com/office/drawing/2014/main" id="{6D775567-3868-A2C8-CAB0-4D159EAD4529}"/>
-              </a:ext>
-            </a:extLst>
-          </p:cNvPr>
-          <p:cNvSpPr txBox="1"/>
-          <p:nvPr/>
-        </p:nvSpPr>
-        <p:spPr>
-          <a:xfrm>
-            <a:off x="4007520" y="3034914"/>
-            <a:ext cx="453362" cy="215444"/>
-          </a:xfrm>
-          <a:prstGeom prst="rect">
-            <a:avLst/>
-          </a:prstGeom>
-          <a:noFill/>
-        </p:spPr>
-        <p:txBody>
-          <a:bodyPr wrap="square" rtlCol="0">
-            <a:spAutoFit/>
-          </a:bodyPr>
-          <a:lstStyle/>
-          <a:p>
-            <a:pPr algn="ctr"/>
-            <a:r>
-              <a:rPr lang="en-US" sz="800" dirty="0">
-                <a:latin typeface="Avenir Book" panose="02000503020000020003" pitchFamily="2" charset="0"/>
-              </a:rPr>
-              <a:t>91</a:t>
-            </a:r>
-          </a:p>
-        </p:txBody>
-      </p:sp>
-      <p:sp>
-        <p:nvSpPr>
-          <p:cNvPr id="19" name="TextBox 18">
-            <a:extLst>
-              <a:ext uri="{FF2B5EF4-FFF2-40B4-BE49-F238E27FC236}">
-                <a16:creationId xmlns:a16="http://schemas.microsoft.com/office/drawing/2014/main" id="{9728139D-0A7B-27D0-56B7-308C22599A0A}"/>
-              </a:ext>
-            </a:extLst>
-          </p:cNvPr>
-          <p:cNvSpPr txBox="1"/>
-          <p:nvPr/>
-        </p:nvSpPr>
-        <p:spPr>
-          <a:xfrm>
-            <a:off x="3759870" y="3733414"/>
-            <a:ext cx="314325" cy="215444"/>
-          </a:xfrm>
-          <a:prstGeom prst="rect">
-            <a:avLst/>
-          </a:prstGeom>
-          <a:noFill/>
-        </p:spPr>
-        <p:txBody>
-          <a:bodyPr wrap="square" rtlCol="0">
-            <a:spAutoFit/>
-          </a:bodyPr>
-          <a:lstStyle/>
-          <a:p>
-            <a:pPr algn="ctr"/>
-            <a:r>
-              <a:rPr lang="en-US" sz="800" dirty="0">
-                <a:latin typeface="Avenir Book" panose="02000503020000020003" pitchFamily="2" charset="0"/>
-              </a:rPr>
-              <a:t>52</a:t>
-            </a:r>
-          </a:p>
-        </p:txBody>
-      </p:sp>
-      <p:sp>
-        <p:nvSpPr>
-          <p:cNvPr id="20" name="TextBox 19">
-            <a:extLst>
-              <a:ext uri="{FF2B5EF4-FFF2-40B4-BE49-F238E27FC236}">
-                <a16:creationId xmlns:a16="http://schemas.microsoft.com/office/drawing/2014/main" id="{6EBAF09A-DDED-2BF7-64FC-0CA2F07B9241}"/>
-              </a:ext>
-            </a:extLst>
-          </p:cNvPr>
-          <p:cNvSpPr txBox="1"/>
-          <p:nvPr/>
-        </p:nvSpPr>
-        <p:spPr>
-          <a:xfrm>
-            <a:off x="3079750" y="4304914"/>
-            <a:ext cx="749300" cy="215444"/>
-          </a:xfrm>
-          <a:prstGeom prst="rect">
-            <a:avLst/>
-          </a:prstGeom>
-          <a:noFill/>
-        </p:spPr>
-        <p:txBody>
-          <a:bodyPr wrap="square" rtlCol="0">
-            <a:spAutoFit/>
-          </a:bodyPr>
-          <a:lstStyle/>
-          <a:p>
-            <a:pPr algn="ctr"/>
-            <a:r>
-              <a:rPr lang="en-US" sz="800" dirty="0">
-                <a:latin typeface="Avenir Book" panose="02000503020000020003" pitchFamily="2" charset="0"/>
-              </a:rPr>
-              <a:t>98</a:t>
-            </a:r>
-          </a:p>
-        </p:txBody>
-      </p:sp>
-      <p:sp>
-        <p:nvSpPr>
-          <p:cNvPr id="21" name="TextBox 20">
-            <a:extLst>
-              <a:ext uri="{FF2B5EF4-FFF2-40B4-BE49-F238E27FC236}">
-                <a16:creationId xmlns:a16="http://schemas.microsoft.com/office/drawing/2014/main" id="{759C848F-E773-C21B-36FC-023202CDC0B3}"/>
-              </a:ext>
-            </a:extLst>
-          </p:cNvPr>
-          <p:cNvSpPr txBox="1"/>
-          <p:nvPr/>
-        </p:nvSpPr>
-        <p:spPr>
-          <a:xfrm>
-            <a:off x="3079749" y="5393939"/>
-            <a:ext cx="815975" cy="215444"/>
-          </a:xfrm>
-          <a:prstGeom prst="rect">
-            <a:avLst/>
-          </a:prstGeom>
-          <a:noFill/>
-        </p:spPr>
-        <p:txBody>
-          <a:bodyPr wrap="square" rtlCol="0">
-            <a:spAutoFit/>
-          </a:bodyPr>
-          <a:lstStyle/>
-          <a:p>
-            <a:pPr algn="ctr"/>
-            <a:r>
-              <a:rPr lang="en-US" sz="800" dirty="0">
-                <a:latin typeface="Avenir Book" panose="02000503020000020003" pitchFamily="2" charset="0"/>
-              </a:rPr>
-              <a:t>99</a:t>
-            </a:r>
-          </a:p>
-        </p:txBody>
-      </p:sp>
+        </p:grpSpPr>
+        <p:pic>
+          <p:nvPicPr>
+            <p:cNvPr id="7" name="Picture 6">
+              <a:extLst>
+                <a:ext uri="{FF2B5EF4-FFF2-40B4-BE49-F238E27FC236}">
+                  <a16:creationId xmlns:a16="http://schemas.microsoft.com/office/drawing/2014/main" id="{A8A78300-669D-EEEB-BBCB-56A3A6D8EA24}"/>
+                </a:ext>
+              </a:extLst>
+            </p:cNvPr>
+            <p:cNvPicPr>
+              <a:picLocks noChangeAspect="1"/>
+            </p:cNvPicPr>
+            <p:nvPr/>
+          </p:nvPicPr>
+          <p:blipFill>
+            <a:blip r:embed="rId2"/>
+            <a:stretch>
+              <a:fillRect/>
+            </a:stretch>
+          </p:blipFill>
+          <p:spPr>
+            <a:xfrm>
+              <a:off x="1041101" y="268605"/>
+              <a:ext cx="10109797" cy="6320790"/>
+            </a:xfrm>
+            <a:prstGeom prst="rect">
+              <a:avLst/>
+            </a:prstGeom>
+          </p:spPr>
+        </p:pic>
+        <p:sp>
+          <p:nvSpPr>
+            <p:cNvPr id="8" name="TextBox 7">
+              <a:extLst>
+                <a:ext uri="{FF2B5EF4-FFF2-40B4-BE49-F238E27FC236}">
+                  <a16:creationId xmlns:a16="http://schemas.microsoft.com/office/drawing/2014/main" id="{D40FD713-BEB0-8A22-9F0F-4B5FF4A0D88E}"/>
+                </a:ext>
+              </a:extLst>
+            </p:cNvPr>
+            <p:cNvSpPr txBox="1"/>
+            <p:nvPr/>
+          </p:nvSpPr>
+          <p:spPr>
+            <a:xfrm>
+              <a:off x="4460882" y="1150499"/>
+              <a:ext cx="300082" cy="215444"/>
+            </a:xfrm>
+            <a:prstGeom prst="rect">
+              <a:avLst/>
+            </a:prstGeom>
+            <a:noFill/>
+          </p:spPr>
+          <p:txBody>
+            <a:bodyPr wrap="none" rtlCol="0">
+              <a:spAutoFit/>
+            </a:bodyPr>
+            <a:lstStyle/>
+            <a:p>
+              <a:r>
+                <a:rPr lang="en-US" sz="800" dirty="0">
+                  <a:latin typeface="Avenir Book" panose="02000503020000020003" pitchFamily="2" charset="0"/>
+                </a:rPr>
+                <a:t>56</a:t>
+              </a:r>
+            </a:p>
+          </p:txBody>
+        </p:sp>
+        <p:cxnSp>
+          <p:nvCxnSpPr>
+            <p:cNvPr id="9" name="Straight Connector 8">
+              <a:extLst>
+                <a:ext uri="{FF2B5EF4-FFF2-40B4-BE49-F238E27FC236}">
+                  <a16:creationId xmlns:a16="http://schemas.microsoft.com/office/drawing/2014/main" id="{96D976BE-D155-CE98-0D91-F0F821AD1EAC}"/>
+                </a:ext>
+              </a:extLst>
+            </p:cNvPr>
+            <p:cNvCxnSpPr>
+              <a:cxnSpLocks/>
+            </p:cNvCxnSpPr>
+            <p:nvPr/>
+          </p:nvCxnSpPr>
+          <p:spPr>
+            <a:xfrm>
+              <a:off x="4680720" y="1303906"/>
+              <a:ext cx="188637" cy="168524"/>
+            </a:xfrm>
+            <a:prstGeom prst="line">
+              <a:avLst/>
+            </a:prstGeom>
+            <a:ln w="6350">
+              <a:solidFill>
+                <a:schemeClr val="bg1">
+                  <a:lumMod val="50000"/>
+                </a:schemeClr>
+              </a:solidFill>
+            </a:ln>
+          </p:spPr>
+          <p:style>
+            <a:lnRef idx="2">
+              <a:schemeClr val="accent1"/>
+            </a:lnRef>
+            <a:fillRef idx="0">
+              <a:schemeClr val="accent1"/>
+            </a:fillRef>
+            <a:effectRef idx="1">
+              <a:schemeClr val="accent1"/>
+            </a:effectRef>
+            <a:fontRef idx="minor">
+              <a:schemeClr val="tx1"/>
+            </a:fontRef>
+          </p:style>
+        </p:cxnSp>
+        <p:sp>
+          <p:nvSpPr>
+            <p:cNvPr id="10" name="TextBox 9">
+              <a:extLst>
+                <a:ext uri="{FF2B5EF4-FFF2-40B4-BE49-F238E27FC236}">
+                  <a16:creationId xmlns:a16="http://schemas.microsoft.com/office/drawing/2014/main" id="{7541D8C7-BA44-801C-D443-2669319E1BA1}"/>
+                </a:ext>
+              </a:extLst>
+            </p:cNvPr>
+            <p:cNvSpPr txBox="1"/>
+            <p:nvPr/>
+          </p:nvSpPr>
+          <p:spPr>
+            <a:xfrm>
+              <a:off x="4532737" y="1743222"/>
+              <a:ext cx="300082" cy="215444"/>
+            </a:xfrm>
+            <a:prstGeom prst="rect">
+              <a:avLst/>
+            </a:prstGeom>
+            <a:noFill/>
+          </p:spPr>
+          <p:txBody>
+            <a:bodyPr wrap="none" rtlCol="0">
+              <a:spAutoFit/>
+            </a:bodyPr>
+            <a:lstStyle/>
+            <a:p>
+              <a:r>
+                <a:rPr lang="en-US" sz="800" dirty="0">
+                  <a:latin typeface="Avenir Book" panose="02000503020000020003" pitchFamily="2" charset="0"/>
+                </a:rPr>
+                <a:t>46</a:t>
+              </a:r>
+            </a:p>
+          </p:txBody>
+        </p:sp>
+        <p:cxnSp>
+          <p:nvCxnSpPr>
+            <p:cNvPr id="11" name="Straight Connector 10">
+              <a:extLst>
+                <a:ext uri="{FF2B5EF4-FFF2-40B4-BE49-F238E27FC236}">
+                  <a16:creationId xmlns:a16="http://schemas.microsoft.com/office/drawing/2014/main" id="{7FA07436-4203-A864-ADCB-305349C87C1D}"/>
+                </a:ext>
+              </a:extLst>
+            </p:cNvPr>
+            <p:cNvCxnSpPr>
+              <a:cxnSpLocks/>
+            </p:cNvCxnSpPr>
+            <p:nvPr/>
+          </p:nvCxnSpPr>
+          <p:spPr>
+            <a:xfrm>
+              <a:off x="4752575" y="1896629"/>
+              <a:ext cx="188637" cy="168524"/>
+            </a:xfrm>
+            <a:prstGeom prst="line">
+              <a:avLst/>
+            </a:prstGeom>
+            <a:ln w="6350">
+              <a:solidFill>
+                <a:schemeClr val="bg1">
+                  <a:lumMod val="50000"/>
+                </a:schemeClr>
+              </a:solidFill>
+            </a:ln>
+          </p:spPr>
+          <p:style>
+            <a:lnRef idx="2">
+              <a:schemeClr val="accent1"/>
+            </a:lnRef>
+            <a:fillRef idx="0">
+              <a:schemeClr val="accent1"/>
+            </a:fillRef>
+            <a:effectRef idx="1">
+              <a:schemeClr val="accent1"/>
+            </a:effectRef>
+            <a:fontRef idx="minor">
+              <a:schemeClr val="tx1"/>
+            </a:fontRef>
+          </p:style>
+        </p:cxnSp>
+        <p:sp>
+          <p:nvSpPr>
+            <p:cNvPr id="12" name="TextBox 11">
+              <a:extLst>
+                <a:ext uri="{FF2B5EF4-FFF2-40B4-BE49-F238E27FC236}">
+                  <a16:creationId xmlns:a16="http://schemas.microsoft.com/office/drawing/2014/main" id="{202A458A-69D1-03B4-A83D-2F6F75B14446}"/>
+                </a:ext>
+              </a:extLst>
+            </p:cNvPr>
+            <p:cNvSpPr txBox="1"/>
+            <p:nvPr/>
+          </p:nvSpPr>
+          <p:spPr>
+            <a:xfrm>
+              <a:off x="4784563" y="2633475"/>
+              <a:ext cx="300082" cy="215444"/>
+            </a:xfrm>
+            <a:prstGeom prst="rect">
+              <a:avLst/>
+            </a:prstGeom>
+            <a:noFill/>
+          </p:spPr>
+          <p:txBody>
+            <a:bodyPr wrap="none" rtlCol="0">
+              <a:spAutoFit/>
+            </a:bodyPr>
+            <a:lstStyle/>
+            <a:p>
+              <a:r>
+                <a:rPr lang="en-US" sz="800" dirty="0">
+                  <a:latin typeface="Avenir Book" panose="02000503020000020003" pitchFamily="2" charset="0"/>
+                </a:rPr>
+                <a:t>77</a:t>
+              </a:r>
+            </a:p>
+          </p:txBody>
+        </p:sp>
+        <p:cxnSp>
+          <p:nvCxnSpPr>
+            <p:cNvPr id="13" name="Straight Connector 12">
+              <a:extLst>
+                <a:ext uri="{FF2B5EF4-FFF2-40B4-BE49-F238E27FC236}">
+                  <a16:creationId xmlns:a16="http://schemas.microsoft.com/office/drawing/2014/main" id="{69B8FAE2-C004-BB20-5952-1A057D588283}"/>
+                </a:ext>
+              </a:extLst>
+            </p:cNvPr>
+            <p:cNvCxnSpPr>
+              <a:cxnSpLocks/>
+            </p:cNvCxnSpPr>
+            <p:nvPr/>
+          </p:nvCxnSpPr>
+          <p:spPr>
+            <a:xfrm flipV="1">
+              <a:off x="4994275" y="2539481"/>
+              <a:ext cx="66894" cy="127519"/>
+            </a:xfrm>
+            <a:prstGeom prst="line">
+              <a:avLst/>
+            </a:prstGeom>
+            <a:ln w="6350">
+              <a:solidFill>
+                <a:schemeClr val="bg1">
+                  <a:lumMod val="50000"/>
+                </a:schemeClr>
+              </a:solidFill>
+            </a:ln>
+          </p:spPr>
+          <p:style>
+            <a:lnRef idx="2">
+              <a:schemeClr val="accent1"/>
+            </a:lnRef>
+            <a:fillRef idx="0">
+              <a:schemeClr val="accent1"/>
+            </a:fillRef>
+            <a:effectRef idx="1">
+              <a:schemeClr val="accent1"/>
+            </a:effectRef>
+            <a:fontRef idx="minor">
+              <a:schemeClr val="tx1"/>
+            </a:fontRef>
+          </p:style>
+        </p:cxnSp>
+        <p:sp>
+          <p:nvSpPr>
+            <p:cNvPr id="16" name="TextBox 15">
+              <a:extLst>
+                <a:ext uri="{FF2B5EF4-FFF2-40B4-BE49-F238E27FC236}">
+                  <a16:creationId xmlns:a16="http://schemas.microsoft.com/office/drawing/2014/main" id="{3C6D3A7F-AD29-9904-3205-3CDFEF201ACF}"/>
+                </a:ext>
+              </a:extLst>
+            </p:cNvPr>
+            <p:cNvSpPr txBox="1"/>
+            <p:nvPr/>
+          </p:nvSpPr>
+          <p:spPr>
+            <a:xfrm>
+              <a:off x="4460882" y="2263312"/>
+              <a:ext cx="349243" cy="215444"/>
+            </a:xfrm>
+            <a:prstGeom prst="rect">
+              <a:avLst/>
+            </a:prstGeom>
+            <a:noFill/>
+          </p:spPr>
+          <p:txBody>
+            <a:bodyPr wrap="square" rtlCol="0">
+              <a:spAutoFit/>
+            </a:bodyPr>
+            <a:lstStyle/>
+            <a:p>
+              <a:pPr algn="ctr"/>
+              <a:r>
+                <a:rPr lang="en-US" sz="800" dirty="0">
+                  <a:latin typeface="Avenir Book" panose="02000503020000020003" pitchFamily="2" charset="0"/>
+                </a:rPr>
+                <a:t>79</a:t>
+              </a:r>
+            </a:p>
+          </p:txBody>
+        </p:sp>
+        <p:sp>
+          <p:nvSpPr>
+            <p:cNvPr id="17" name="TextBox 16">
+              <a:extLst>
+                <a:ext uri="{FF2B5EF4-FFF2-40B4-BE49-F238E27FC236}">
+                  <a16:creationId xmlns:a16="http://schemas.microsoft.com/office/drawing/2014/main" id="{49AFE116-91C3-CB07-E609-7F1C9F62D341}"/>
+                </a:ext>
+              </a:extLst>
+            </p:cNvPr>
+            <p:cNvSpPr txBox="1"/>
+            <p:nvPr/>
+          </p:nvSpPr>
+          <p:spPr>
+            <a:xfrm>
+              <a:off x="4753645" y="3240833"/>
+              <a:ext cx="413312" cy="215444"/>
+            </a:xfrm>
+            <a:prstGeom prst="rect">
+              <a:avLst/>
+            </a:prstGeom>
+            <a:noFill/>
+          </p:spPr>
+          <p:txBody>
+            <a:bodyPr wrap="square" rtlCol="0">
+              <a:spAutoFit/>
+            </a:bodyPr>
+            <a:lstStyle/>
+            <a:p>
+              <a:pPr algn="ctr"/>
+              <a:r>
+                <a:rPr lang="en-US" sz="800" dirty="0">
+                  <a:latin typeface="Avenir Book" panose="02000503020000020003" pitchFamily="2" charset="0"/>
+                </a:rPr>
+                <a:t>100</a:t>
+              </a:r>
+            </a:p>
+          </p:txBody>
+        </p:sp>
+        <p:sp>
+          <p:nvSpPr>
+            <p:cNvPr id="18" name="TextBox 17">
+              <a:extLst>
+                <a:ext uri="{FF2B5EF4-FFF2-40B4-BE49-F238E27FC236}">
+                  <a16:creationId xmlns:a16="http://schemas.microsoft.com/office/drawing/2014/main" id="{6D775567-3868-A2C8-CAB0-4D159EAD4529}"/>
+                </a:ext>
+              </a:extLst>
+            </p:cNvPr>
+            <p:cNvSpPr txBox="1"/>
+            <p:nvPr/>
+          </p:nvSpPr>
+          <p:spPr>
+            <a:xfrm>
+              <a:off x="4007520" y="3034914"/>
+              <a:ext cx="453362" cy="215444"/>
+            </a:xfrm>
+            <a:prstGeom prst="rect">
+              <a:avLst/>
+            </a:prstGeom>
+            <a:noFill/>
+          </p:spPr>
+          <p:txBody>
+            <a:bodyPr wrap="square" rtlCol="0">
+              <a:spAutoFit/>
+            </a:bodyPr>
+            <a:lstStyle/>
+            <a:p>
+              <a:pPr algn="ctr"/>
+              <a:r>
+                <a:rPr lang="en-US" sz="800" dirty="0">
+                  <a:latin typeface="Avenir Book" panose="02000503020000020003" pitchFamily="2" charset="0"/>
+                </a:rPr>
+                <a:t>91</a:t>
+              </a:r>
+            </a:p>
+          </p:txBody>
+        </p:sp>
+        <p:sp>
+          <p:nvSpPr>
+            <p:cNvPr id="19" name="TextBox 18">
+              <a:extLst>
+                <a:ext uri="{FF2B5EF4-FFF2-40B4-BE49-F238E27FC236}">
+                  <a16:creationId xmlns:a16="http://schemas.microsoft.com/office/drawing/2014/main" id="{9728139D-0A7B-27D0-56B7-308C22599A0A}"/>
+                </a:ext>
+              </a:extLst>
+            </p:cNvPr>
+            <p:cNvSpPr txBox="1"/>
+            <p:nvPr/>
+          </p:nvSpPr>
+          <p:spPr>
+            <a:xfrm>
+              <a:off x="3759870" y="3733414"/>
+              <a:ext cx="314325" cy="215444"/>
+            </a:xfrm>
+            <a:prstGeom prst="rect">
+              <a:avLst/>
+            </a:prstGeom>
+            <a:noFill/>
+          </p:spPr>
+          <p:txBody>
+            <a:bodyPr wrap="square" rtlCol="0">
+              <a:spAutoFit/>
+            </a:bodyPr>
+            <a:lstStyle/>
+            <a:p>
+              <a:pPr algn="ctr"/>
+              <a:r>
+                <a:rPr lang="en-US" sz="800" dirty="0">
+                  <a:latin typeface="Avenir Book" panose="02000503020000020003" pitchFamily="2" charset="0"/>
+                </a:rPr>
+                <a:t>52</a:t>
+              </a:r>
+            </a:p>
+          </p:txBody>
+        </p:sp>
+        <p:sp>
+          <p:nvSpPr>
+            <p:cNvPr id="20" name="TextBox 19">
+              <a:extLst>
+                <a:ext uri="{FF2B5EF4-FFF2-40B4-BE49-F238E27FC236}">
+                  <a16:creationId xmlns:a16="http://schemas.microsoft.com/office/drawing/2014/main" id="{6EBAF09A-DDED-2BF7-64FC-0CA2F07B9241}"/>
+                </a:ext>
+              </a:extLst>
+            </p:cNvPr>
+            <p:cNvSpPr txBox="1"/>
+            <p:nvPr/>
+          </p:nvSpPr>
+          <p:spPr>
+            <a:xfrm>
+              <a:off x="3079750" y="4304914"/>
+              <a:ext cx="749300" cy="215444"/>
+            </a:xfrm>
+            <a:prstGeom prst="rect">
+              <a:avLst/>
+            </a:prstGeom>
+            <a:noFill/>
+          </p:spPr>
+          <p:txBody>
+            <a:bodyPr wrap="square" rtlCol="0">
+              <a:spAutoFit/>
+            </a:bodyPr>
+            <a:lstStyle/>
+            <a:p>
+              <a:pPr algn="ctr"/>
+              <a:r>
+                <a:rPr lang="en-US" sz="800" dirty="0">
+                  <a:latin typeface="Avenir Book" panose="02000503020000020003" pitchFamily="2" charset="0"/>
+                </a:rPr>
+                <a:t>98</a:t>
+              </a:r>
+            </a:p>
+          </p:txBody>
+        </p:sp>
+        <p:sp>
+          <p:nvSpPr>
+            <p:cNvPr id="21" name="TextBox 20">
+              <a:extLst>
+                <a:ext uri="{FF2B5EF4-FFF2-40B4-BE49-F238E27FC236}">
+                  <a16:creationId xmlns:a16="http://schemas.microsoft.com/office/drawing/2014/main" id="{759C848F-E773-C21B-36FC-023202CDC0B3}"/>
+                </a:ext>
+              </a:extLst>
+            </p:cNvPr>
+            <p:cNvSpPr txBox="1"/>
+            <p:nvPr/>
+          </p:nvSpPr>
+          <p:spPr>
+            <a:xfrm>
+              <a:off x="3079749" y="5393939"/>
+              <a:ext cx="815975" cy="215444"/>
+            </a:xfrm>
+            <a:prstGeom prst="rect">
+              <a:avLst/>
+            </a:prstGeom>
+            <a:noFill/>
+          </p:spPr>
+          <p:txBody>
+            <a:bodyPr wrap="square" rtlCol="0">
+              <a:spAutoFit/>
+            </a:bodyPr>
+            <a:lstStyle/>
+            <a:p>
+              <a:pPr algn="ctr"/>
+              <a:r>
+                <a:rPr lang="en-US" sz="800" dirty="0">
+                  <a:latin typeface="Avenir Book" panose="02000503020000020003" pitchFamily="2" charset="0"/>
+                </a:rPr>
+                <a:t>99</a:t>
+              </a:r>
+            </a:p>
+          </p:txBody>
+        </p:sp>
+      </p:grpSp>
     </p:spTree>
     <p:extLst>
       <p:ext uri="{BB962C8B-B14F-4D97-AF65-F5344CB8AC3E}">
@@ -5058,510 +5079,531 @@
           <a:chExt cx="0" cy="0"/>
         </a:xfrm>
       </p:grpSpPr>
-      <p:pic>
-        <p:nvPicPr>
-          <p:cNvPr id="5" name="Picture 4">
-            <a:extLst>
-              <a:ext uri="{FF2B5EF4-FFF2-40B4-BE49-F238E27FC236}">
-                <a16:creationId xmlns:a16="http://schemas.microsoft.com/office/drawing/2014/main" id="{7EC1DAAF-6F88-A0E3-EF44-3C7A61CFC21F}"/>
-              </a:ext>
-            </a:extLst>
-          </p:cNvPr>
-          <p:cNvPicPr>
-            <a:picLocks noChangeAspect="1"/>
-          </p:cNvPicPr>
+      <p:grpSp>
+        <p:nvGrpSpPr>
+          <p:cNvPr id="31" name="Group 30">
+            <a:extLst>
+              <a:ext uri="{FF2B5EF4-FFF2-40B4-BE49-F238E27FC236}">
+                <a16:creationId xmlns:a16="http://schemas.microsoft.com/office/drawing/2014/main" id="{F3C67A5F-C72C-E03D-CB34-5E56B71A679F}"/>
+              </a:ext>
+            </a:extLst>
+          </p:cNvPr>
+          <p:cNvGrpSpPr/>
           <p:nvPr/>
-        </p:nvPicPr>
-        <p:blipFill>
-          <a:blip r:embed="rId2"/>
-          <a:stretch>
-            <a:fillRect/>
-          </a:stretch>
-        </p:blipFill>
-        <p:spPr>
+        </p:nvGrpSpPr>
+        <p:grpSpPr>
           <a:xfrm>
             <a:off x="1042930" y="269748"/>
             <a:ext cx="10106140" cy="6318504"/>
+            <a:chOff x="1042930" y="269748"/>
+            <a:chExt cx="10106140" cy="6318504"/>
           </a:xfrm>
-          <a:prstGeom prst="rect">
-            <a:avLst/>
-          </a:prstGeom>
-        </p:spPr>
-      </p:pic>
-      <p:sp>
-        <p:nvSpPr>
-          <p:cNvPr id="19" name="TextBox 18">
-            <a:extLst>
-              <a:ext uri="{FF2B5EF4-FFF2-40B4-BE49-F238E27FC236}">
-                <a16:creationId xmlns:a16="http://schemas.microsoft.com/office/drawing/2014/main" id="{DF77DC4F-93CF-F1C9-217B-2BF2465DC3E9}"/>
-              </a:ext>
-            </a:extLst>
-          </p:cNvPr>
-          <p:cNvSpPr txBox="1"/>
-          <p:nvPr/>
-        </p:nvSpPr>
-        <p:spPr>
-          <a:xfrm>
-            <a:off x="4460882" y="1150499"/>
-            <a:ext cx="300082" cy="215444"/>
-          </a:xfrm>
-          <a:prstGeom prst="rect">
-            <a:avLst/>
-          </a:prstGeom>
-          <a:noFill/>
-        </p:spPr>
-        <p:txBody>
-          <a:bodyPr wrap="none" rtlCol="0">
-            <a:spAutoFit/>
-          </a:bodyPr>
-          <a:lstStyle/>
-          <a:p>
-            <a:r>
-              <a:rPr lang="en-US" sz="800" dirty="0">
-                <a:latin typeface="Avenir Book" panose="02000503020000020003" pitchFamily="2" charset="0"/>
-              </a:rPr>
-              <a:t>56</a:t>
-            </a:r>
-          </a:p>
-        </p:txBody>
-      </p:sp>
-      <p:cxnSp>
-        <p:nvCxnSpPr>
-          <p:cNvPr id="20" name="Straight Connector 19">
-            <a:extLst>
-              <a:ext uri="{FF2B5EF4-FFF2-40B4-BE49-F238E27FC236}">
-                <a16:creationId xmlns:a16="http://schemas.microsoft.com/office/drawing/2014/main" id="{40D4E1FB-5742-5363-7FE3-67A7622D66F5}"/>
-              </a:ext>
-            </a:extLst>
-          </p:cNvPr>
-          <p:cNvCxnSpPr>
-            <a:cxnSpLocks/>
-          </p:cNvCxnSpPr>
-          <p:nvPr/>
-        </p:nvCxnSpPr>
-        <p:spPr>
-          <a:xfrm>
-            <a:off x="4680720" y="1303906"/>
-            <a:ext cx="188637" cy="168524"/>
-          </a:xfrm>
-          <a:prstGeom prst="line">
-            <a:avLst/>
-          </a:prstGeom>
-          <a:ln w="6350">
-            <a:solidFill>
-              <a:schemeClr val="bg1">
-                <a:lumMod val="50000"/>
-              </a:schemeClr>
-            </a:solidFill>
-          </a:ln>
-        </p:spPr>
-        <p:style>
-          <a:lnRef idx="2">
-            <a:schemeClr val="accent1"/>
-          </a:lnRef>
-          <a:fillRef idx="0">
-            <a:schemeClr val="accent1"/>
-          </a:fillRef>
-          <a:effectRef idx="1">
-            <a:schemeClr val="accent1"/>
-          </a:effectRef>
-          <a:fontRef idx="minor">
-            <a:schemeClr val="tx1"/>
-          </a:fontRef>
-        </p:style>
-      </p:cxnSp>
-      <p:sp>
-        <p:nvSpPr>
-          <p:cNvPr id="21" name="TextBox 20">
-            <a:extLst>
-              <a:ext uri="{FF2B5EF4-FFF2-40B4-BE49-F238E27FC236}">
-                <a16:creationId xmlns:a16="http://schemas.microsoft.com/office/drawing/2014/main" id="{9D42FA4D-881C-229E-9742-1710037DABAC}"/>
-              </a:ext>
-            </a:extLst>
-          </p:cNvPr>
-          <p:cNvSpPr txBox="1"/>
-          <p:nvPr/>
-        </p:nvSpPr>
-        <p:spPr>
-          <a:xfrm>
-            <a:off x="4532737" y="1743222"/>
-            <a:ext cx="300082" cy="215444"/>
-          </a:xfrm>
-          <a:prstGeom prst="rect">
-            <a:avLst/>
-          </a:prstGeom>
-          <a:noFill/>
-        </p:spPr>
-        <p:txBody>
-          <a:bodyPr wrap="none" rtlCol="0">
-            <a:spAutoFit/>
-          </a:bodyPr>
-          <a:lstStyle/>
-          <a:p>
-            <a:r>
-              <a:rPr lang="en-US" sz="800" dirty="0">
-                <a:latin typeface="Avenir Book" panose="02000503020000020003" pitchFamily="2" charset="0"/>
-              </a:rPr>
-              <a:t>46</a:t>
-            </a:r>
-          </a:p>
-        </p:txBody>
-      </p:sp>
-      <p:cxnSp>
-        <p:nvCxnSpPr>
-          <p:cNvPr id="22" name="Straight Connector 21">
-            <a:extLst>
-              <a:ext uri="{FF2B5EF4-FFF2-40B4-BE49-F238E27FC236}">
-                <a16:creationId xmlns:a16="http://schemas.microsoft.com/office/drawing/2014/main" id="{397575F7-A258-C8F2-3757-FF23C027EAF7}"/>
-              </a:ext>
-            </a:extLst>
-          </p:cNvPr>
-          <p:cNvCxnSpPr>
-            <a:cxnSpLocks/>
-          </p:cNvCxnSpPr>
-          <p:nvPr/>
-        </p:nvCxnSpPr>
-        <p:spPr>
-          <a:xfrm>
-            <a:off x="4752575" y="1896629"/>
-            <a:ext cx="188637" cy="168524"/>
-          </a:xfrm>
-          <a:prstGeom prst="line">
-            <a:avLst/>
-          </a:prstGeom>
-          <a:ln w="6350">
-            <a:solidFill>
-              <a:schemeClr val="bg1">
-                <a:lumMod val="50000"/>
-              </a:schemeClr>
-            </a:solidFill>
-          </a:ln>
-        </p:spPr>
-        <p:style>
-          <a:lnRef idx="2">
-            <a:schemeClr val="accent1"/>
-          </a:lnRef>
-          <a:fillRef idx="0">
-            <a:schemeClr val="accent1"/>
-          </a:fillRef>
-          <a:effectRef idx="1">
-            <a:schemeClr val="accent1"/>
-          </a:effectRef>
-          <a:fontRef idx="minor">
-            <a:schemeClr val="tx1"/>
-          </a:fontRef>
-        </p:style>
-      </p:cxnSp>
-      <p:sp>
-        <p:nvSpPr>
-          <p:cNvPr id="23" name="TextBox 22">
-            <a:extLst>
-              <a:ext uri="{FF2B5EF4-FFF2-40B4-BE49-F238E27FC236}">
-                <a16:creationId xmlns:a16="http://schemas.microsoft.com/office/drawing/2014/main" id="{9782C089-10CB-6831-FE02-41FC185BE570}"/>
-              </a:ext>
-            </a:extLst>
-          </p:cNvPr>
-          <p:cNvSpPr txBox="1"/>
-          <p:nvPr/>
-        </p:nvSpPr>
-        <p:spPr>
-          <a:xfrm>
-            <a:off x="4784563" y="2633475"/>
-            <a:ext cx="300082" cy="215444"/>
-          </a:xfrm>
-          <a:prstGeom prst="rect">
-            <a:avLst/>
-          </a:prstGeom>
-          <a:noFill/>
-        </p:spPr>
-        <p:txBody>
-          <a:bodyPr wrap="none" rtlCol="0">
-            <a:spAutoFit/>
-          </a:bodyPr>
-          <a:lstStyle/>
-          <a:p>
-            <a:r>
-              <a:rPr lang="en-US" sz="800" dirty="0">
-                <a:latin typeface="Avenir Book" panose="02000503020000020003" pitchFamily="2" charset="0"/>
-              </a:rPr>
-              <a:t>77</a:t>
-            </a:r>
-          </a:p>
-        </p:txBody>
-      </p:sp>
-      <p:cxnSp>
-        <p:nvCxnSpPr>
-          <p:cNvPr id="24" name="Straight Connector 23">
-            <a:extLst>
-              <a:ext uri="{FF2B5EF4-FFF2-40B4-BE49-F238E27FC236}">
-                <a16:creationId xmlns:a16="http://schemas.microsoft.com/office/drawing/2014/main" id="{ACAEE568-59E4-9D86-5EB9-0CC207DD613E}"/>
-              </a:ext>
-            </a:extLst>
-          </p:cNvPr>
-          <p:cNvCxnSpPr>
-            <a:cxnSpLocks/>
-          </p:cNvCxnSpPr>
-          <p:nvPr/>
-        </p:nvCxnSpPr>
-        <p:spPr>
-          <a:xfrm flipV="1">
-            <a:off x="4994275" y="2539481"/>
-            <a:ext cx="66894" cy="127519"/>
-          </a:xfrm>
-          <a:prstGeom prst="line">
-            <a:avLst/>
-          </a:prstGeom>
-          <a:ln w="6350">
-            <a:solidFill>
-              <a:schemeClr val="bg1">
-                <a:lumMod val="50000"/>
-              </a:schemeClr>
-            </a:solidFill>
-          </a:ln>
-        </p:spPr>
-        <p:style>
-          <a:lnRef idx="2">
-            <a:schemeClr val="accent1"/>
-          </a:lnRef>
-          <a:fillRef idx="0">
-            <a:schemeClr val="accent1"/>
-          </a:fillRef>
-          <a:effectRef idx="1">
-            <a:schemeClr val="accent1"/>
-          </a:effectRef>
-          <a:fontRef idx="minor">
-            <a:schemeClr val="tx1"/>
-          </a:fontRef>
-        </p:style>
-      </p:cxnSp>
-      <p:sp>
-        <p:nvSpPr>
-          <p:cNvPr id="25" name="TextBox 24">
-            <a:extLst>
-              <a:ext uri="{FF2B5EF4-FFF2-40B4-BE49-F238E27FC236}">
-                <a16:creationId xmlns:a16="http://schemas.microsoft.com/office/drawing/2014/main" id="{EFBCFA95-328C-18E8-708F-7F295310751D}"/>
-              </a:ext>
-            </a:extLst>
-          </p:cNvPr>
-          <p:cNvSpPr txBox="1"/>
-          <p:nvPr/>
-        </p:nvSpPr>
-        <p:spPr>
-          <a:xfrm>
-            <a:off x="4460882" y="2263312"/>
-            <a:ext cx="349243" cy="215444"/>
-          </a:xfrm>
-          <a:prstGeom prst="rect">
-            <a:avLst/>
-          </a:prstGeom>
-          <a:noFill/>
-        </p:spPr>
-        <p:txBody>
-          <a:bodyPr wrap="square" rtlCol="0">
-            <a:spAutoFit/>
-          </a:bodyPr>
-          <a:lstStyle/>
-          <a:p>
-            <a:pPr algn="ctr"/>
-            <a:r>
-              <a:rPr lang="en-US" sz="800" dirty="0">
-                <a:latin typeface="Avenir Book" panose="02000503020000020003" pitchFamily="2" charset="0"/>
-              </a:rPr>
-              <a:t>79</a:t>
-            </a:r>
-          </a:p>
-        </p:txBody>
-      </p:sp>
-      <p:sp>
-        <p:nvSpPr>
-          <p:cNvPr id="26" name="TextBox 25">
-            <a:extLst>
-              <a:ext uri="{FF2B5EF4-FFF2-40B4-BE49-F238E27FC236}">
-                <a16:creationId xmlns:a16="http://schemas.microsoft.com/office/drawing/2014/main" id="{CB2912CC-7DA2-CAAD-FF80-3146BCC971FF}"/>
-              </a:ext>
-            </a:extLst>
-          </p:cNvPr>
-          <p:cNvSpPr txBox="1"/>
-          <p:nvPr/>
-        </p:nvSpPr>
-        <p:spPr>
-          <a:xfrm>
-            <a:off x="4753645" y="3240833"/>
-            <a:ext cx="413312" cy="215444"/>
-          </a:xfrm>
-          <a:prstGeom prst="rect">
-            <a:avLst/>
-          </a:prstGeom>
-          <a:noFill/>
-        </p:spPr>
-        <p:txBody>
-          <a:bodyPr wrap="square" rtlCol="0">
-            <a:spAutoFit/>
-          </a:bodyPr>
-          <a:lstStyle/>
-          <a:p>
-            <a:pPr algn="ctr"/>
-            <a:r>
-              <a:rPr lang="en-US" sz="800" dirty="0">
-                <a:latin typeface="Avenir Book" panose="02000503020000020003" pitchFamily="2" charset="0"/>
-              </a:rPr>
-              <a:t>100</a:t>
-            </a:r>
-          </a:p>
-        </p:txBody>
-      </p:sp>
-      <p:sp>
-        <p:nvSpPr>
-          <p:cNvPr id="27" name="TextBox 26">
-            <a:extLst>
-              <a:ext uri="{FF2B5EF4-FFF2-40B4-BE49-F238E27FC236}">
-                <a16:creationId xmlns:a16="http://schemas.microsoft.com/office/drawing/2014/main" id="{16DE7318-162A-3BE0-D1DC-5710C26E7F3F}"/>
-              </a:ext>
-            </a:extLst>
-          </p:cNvPr>
-          <p:cNvSpPr txBox="1"/>
-          <p:nvPr/>
-        </p:nvSpPr>
-        <p:spPr>
-          <a:xfrm>
-            <a:off x="4007520" y="3034914"/>
-            <a:ext cx="453362" cy="215444"/>
-          </a:xfrm>
-          <a:prstGeom prst="rect">
-            <a:avLst/>
-          </a:prstGeom>
-          <a:noFill/>
-        </p:spPr>
-        <p:txBody>
-          <a:bodyPr wrap="square" rtlCol="0">
-            <a:spAutoFit/>
-          </a:bodyPr>
-          <a:lstStyle/>
-          <a:p>
-            <a:pPr algn="ctr"/>
-            <a:r>
-              <a:rPr lang="en-US" sz="800" dirty="0">
-                <a:latin typeface="Avenir Book" panose="02000503020000020003" pitchFamily="2" charset="0"/>
-              </a:rPr>
-              <a:t>91</a:t>
-            </a:r>
-          </a:p>
-        </p:txBody>
-      </p:sp>
-      <p:sp>
-        <p:nvSpPr>
-          <p:cNvPr id="28" name="TextBox 27">
-            <a:extLst>
-              <a:ext uri="{FF2B5EF4-FFF2-40B4-BE49-F238E27FC236}">
-                <a16:creationId xmlns:a16="http://schemas.microsoft.com/office/drawing/2014/main" id="{C19FC276-C583-CEAF-2CF1-389F80EAD1A0}"/>
-              </a:ext>
-            </a:extLst>
-          </p:cNvPr>
-          <p:cNvSpPr txBox="1"/>
-          <p:nvPr/>
-        </p:nvSpPr>
-        <p:spPr>
-          <a:xfrm>
-            <a:off x="3759870" y="3733414"/>
-            <a:ext cx="314325" cy="215444"/>
-          </a:xfrm>
-          <a:prstGeom prst="rect">
-            <a:avLst/>
-          </a:prstGeom>
-          <a:noFill/>
-        </p:spPr>
-        <p:txBody>
-          <a:bodyPr wrap="square" rtlCol="0">
-            <a:spAutoFit/>
-          </a:bodyPr>
-          <a:lstStyle/>
-          <a:p>
-            <a:pPr algn="ctr"/>
-            <a:r>
-              <a:rPr lang="en-US" sz="800" dirty="0">
-                <a:latin typeface="Avenir Book" panose="02000503020000020003" pitchFamily="2" charset="0"/>
-              </a:rPr>
-              <a:t>52</a:t>
-            </a:r>
-          </a:p>
-        </p:txBody>
-      </p:sp>
-      <p:sp>
-        <p:nvSpPr>
-          <p:cNvPr id="29" name="TextBox 28">
-            <a:extLst>
-              <a:ext uri="{FF2B5EF4-FFF2-40B4-BE49-F238E27FC236}">
-                <a16:creationId xmlns:a16="http://schemas.microsoft.com/office/drawing/2014/main" id="{4B268A67-E646-437A-3C3C-402EACB6C9C7}"/>
-              </a:ext>
-            </a:extLst>
-          </p:cNvPr>
-          <p:cNvSpPr txBox="1"/>
-          <p:nvPr/>
-        </p:nvSpPr>
-        <p:spPr>
-          <a:xfrm>
-            <a:off x="3079750" y="4304914"/>
-            <a:ext cx="749300" cy="215444"/>
-          </a:xfrm>
-          <a:prstGeom prst="rect">
-            <a:avLst/>
-          </a:prstGeom>
-          <a:noFill/>
-        </p:spPr>
-        <p:txBody>
-          <a:bodyPr wrap="square" rtlCol="0">
-            <a:spAutoFit/>
-          </a:bodyPr>
-          <a:lstStyle/>
-          <a:p>
-            <a:pPr algn="ctr"/>
-            <a:r>
-              <a:rPr lang="en-US" sz="800" dirty="0">
-                <a:latin typeface="Avenir Book" panose="02000503020000020003" pitchFamily="2" charset="0"/>
-              </a:rPr>
-              <a:t>98</a:t>
-            </a:r>
-          </a:p>
-        </p:txBody>
-      </p:sp>
-      <p:sp>
-        <p:nvSpPr>
-          <p:cNvPr id="30" name="TextBox 29">
-            <a:extLst>
-              <a:ext uri="{FF2B5EF4-FFF2-40B4-BE49-F238E27FC236}">
-                <a16:creationId xmlns:a16="http://schemas.microsoft.com/office/drawing/2014/main" id="{A62E2E61-230E-D309-8517-99ACA16B0EC6}"/>
-              </a:ext>
-            </a:extLst>
-          </p:cNvPr>
-          <p:cNvSpPr txBox="1"/>
-          <p:nvPr/>
-        </p:nvSpPr>
-        <p:spPr>
-          <a:xfrm>
-            <a:off x="3079749" y="5393939"/>
-            <a:ext cx="815975" cy="215444"/>
-          </a:xfrm>
-          <a:prstGeom prst="rect">
-            <a:avLst/>
-          </a:prstGeom>
-          <a:noFill/>
-        </p:spPr>
-        <p:txBody>
-          <a:bodyPr wrap="square" rtlCol="0">
-            <a:spAutoFit/>
-          </a:bodyPr>
-          <a:lstStyle/>
-          <a:p>
-            <a:pPr algn="ctr"/>
-            <a:r>
-              <a:rPr lang="en-US" sz="800" dirty="0">
-                <a:latin typeface="Avenir Book" panose="02000503020000020003" pitchFamily="2" charset="0"/>
-              </a:rPr>
-              <a:t>99</a:t>
-            </a:r>
-          </a:p>
-        </p:txBody>
-      </p:sp>
+        </p:grpSpPr>
+        <p:pic>
+          <p:nvPicPr>
+            <p:cNvPr id="5" name="Picture 4">
+              <a:extLst>
+                <a:ext uri="{FF2B5EF4-FFF2-40B4-BE49-F238E27FC236}">
+                  <a16:creationId xmlns:a16="http://schemas.microsoft.com/office/drawing/2014/main" id="{7EC1DAAF-6F88-A0E3-EF44-3C7A61CFC21F}"/>
+                </a:ext>
+              </a:extLst>
+            </p:cNvPr>
+            <p:cNvPicPr>
+              <a:picLocks noChangeAspect="1"/>
+            </p:cNvPicPr>
+            <p:nvPr/>
+          </p:nvPicPr>
+          <p:blipFill>
+            <a:blip r:embed="rId2"/>
+            <a:stretch>
+              <a:fillRect/>
+            </a:stretch>
+          </p:blipFill>
+          <p:spPr>
+            <a:xfrm>
+              <a:off x="1042930" y="269748"/>
+              <a:ext cx="10106140" cy="6318504"/>
+            </a:xfrm>
+            <a:prstGeom prst="rect">
+              <a:avLst/>
+            </a:prstGeom>
+          </p:spPr>
+        </p:pic>
+        <p:sp>
+          <p:nvSpPr>
+            <p:cNvPr id="19" name="TextBox 18">
+              <a:extLst>
+                <a:ext uri="{FF2B5EF4-FFF2-40B4-BE49-F238E27FC236}">
+                  <a16:creationId xmlns:a16="http://schemas.microsoft.com/office/drawing/2014/main" id="{DF77DC4F-93CF-F1C9-217B-2BF2465DC3E9}"/>
+                </a:ext>
+              </a:extLst>
+            </p:cNvPr>
+            <p:cNvSpPr txBox="1"/>
+            <p:nvPr/>
+          </p:nvSpPr>
+          <p:spPr>
+            <a:xfrm>
+              <a:off x="4460882" y="1150499"/>
+              <a:ext cx="300082" cy="215444"/>
+            </a:xfrm>
+            <a:prstGeom prst="rect">
+              <a:avLst/>
+            </a:prstGeom>
+            <a:noFill/>
+          </p:spPr>
+          <p:txBody>
+            <a:bodyPr wrap="none" rtlCol="0">
+              <a:spAutoFit/>
+            </a:bodyPr>
+            <a:lstStyle/>
+            <a:p>
+              <a:r>
+                <a:rPr lang="en-US" sz="800" dirty="0">
+                  <a:latin typeface="Avenir Book" panose="02000503020000020003" pitchFamily="2" charset="0"/>
+                </a:rPr>
+                <a:t>56</a:t>
+              </a:r>
+            </a:p>
+          </p:txBody>
+        </p:sp>
+        <p:cxnSp>
+          <p:nvCxnSpPr>
+            <p:cNvPr id="20" name="Straight Connector 19">
+              <a:extLst>
+                <a:ext uri="{FF2B5EF4-FFF2-40B4-BE49-F238E27FC236}">
+                  <a16:creationId xmlns:a16="http://schemas.microsoft.com/office/drawing/2014/main" id="{40D4E1FB-5742-5363-7FE3-67A7622D66F5}"/>
+                </a:ext>
+              </a:extLst>
+            </p:cNvPr>
+            <p:cNvCxnSpPr>
+              <a:cxnSpLocks/>
+            </p:cNvCxnSpPr>
+            <p:nvPr/>
+          </p:nvCxnSpPr>
+          <p:spPr>
+            <a:xfrm>
+              <a:off x="4680720" y="1303906"/>
+              <a:ext cx="188637" cy="168524"/>
+            </a:xfrm>
+            <a:prstGeom prst="line">
+              <a:avLst/>
+            </a:prstGeom>
+            <a:ln w="6350">
+              <a:solidFill>
+                <a:schemeClr val="bg1">
+                  <a:lumMod val="50000"/>
+                </a:schemeClr>
+              </a:solidFill>
+            </a:ln>
+          </p:spPr>
+          <p:style>
+            <a:lnRef idx="2">
+              <a:schemeClr val="accent1"/>
+            </a:lnRef>
+            <a:fillRef idx="0">
+              <a:schemeClr val="accent1"/>
+            </a:fillRef>
+            <a:effectRef idx="1">
+              <a:schemeClr val="accent1"/>
+            </a:effectRef>
+            <a:fontRef idx="minor">
+              <a:schemeClr val="tx1"/>
+            </a:fontRef>
+          </p:style>
+        </p:cxnSp>
+        <p:sp>
+          <p:nvSpPr>
+            <p:cNvPr id="21" name="TextBox 20">
+              <a:extLst>
+                <a:ext uri="{FF2B5EF4-FFF2-40B4-BE49-F238E27FC236}">
+                  <a16:creationId xmlns:a16="http://schemas.microsoft.com/office/drawing/2014/main" id="{9D42FA4D-881C-229E-9742-1710037DABAC}"/>
+                </a:ext>
+              </a:extLst>
+            </p:cNvPr>
+            <p:cNvSpPr txBox="1"/>
+            <p:nvPr/>
+          </p:nvSpPr>
+          <p:spPr>
+            <a:xfrm>
+              <a:off x="4532737" y="1743222"/>
+              <a:ext cx="300082" cy="215444"/>
+            </a:xfrm>
+            <a:prstGeom prst="rect">
+              <a:avLst/>
+            </a:prstGeom>
+            <a:noFill/>
+          </p:spPr>
+          <p:txBody>
+            <a:bodyPr wrap="none" rtlCol="0">
+              <a:spAutoFit/>
+            </a:bodyPr>
+            <a:lstStyle/>
+            <a:p>
+              <a:r>
+                <a:rPr lang="en-US" sz="800" dirty="0">
+                  <a:latin typeface="Avenir Book" panose="02000503020000020003" pitchFamily="2" charset="0"/>
+                </a:rPr>
+                <a:t>46</a:t>
+              </a:r>
+            </a:p>
+          </p:txBody>
+        </p:sp>
+        <p:cxnSp>
+          <p:nvCxnSpPr>
+            <p:cNvPr id="22" name="Straight Connector 21">
+              <a:extLst>
+                <a:ext uri="{FF2B5EF4-FFF2-40B4-BE49-F238E27FC236}">
+                  <a16:creationId xmlns:a16="http://schemas.microsoft.com/office/drawing/2014/main" id="{397575F7-A258-C8F2-3757-FF23C027EAF7}"/>
+                </a:ext>
+              </a:extLst>
+            </p:cNvPr>
+            <p:cNvCxnSpPr>
+              <a:cxnSpLocks/>
+            </p:cNvCxnSpPr>
+            <p:nvPr/>
+          </p:nvCxnSpPr>
+          <p:spPr>
+            <a:xfrm>
+              <a:off x="4752575" y="1896629"/>
+              <a:ext cx="188637" cy="168524"/>
+            </a:xfrm>
+            <a:prstGeom prst="line">
+              <a:avLst/>
+            </a:prstGeom>
+            <a:ln w="6350">
+              <a:solidFill>
+                <a:schemeClr val="bg1">
+                  <a:lumMod val="50000"/>
+                </a:schemeClr>
+              </a:solidFill>
+            </a:ln>
+          </p:spPr>
+          <p:style>
+            <a:lnRef idx="2">
+              <a:schemeClr val="accent1"/>
+            </a:lnRef>
+            <a:fillRef idx="0">
+              <a:schemeClr val="accent1"/>
+            </a:fillRef>
+            <a:effectRef idx="1">
+              <a:schemeClr val="accent1"/>
+            </a:effectRef>
+            <a:fontRef idx="minor">
+              <a:schemeClr val="tx1"/>
+            </a:fontRef>
+          </p:style>
+        </p:cxnSp>
+        <p:sp>
+          <p:nvSpPr>
+            <p:cNvPr id="23" name="TextBox 22">
+              <a:extLst>
+                <a:ext uri="{FF2B5EF4-FFF2-40B4-BE49-F238E27FC236}">
+                  <a16:creationId xmlns:a16="http://schemas.microsoft.com/office/drawing/2014/main" id="{9782C089-10CB-6831-FE02-41FC185BE570}"/>
+                </a:ext>
+              </a:extLst>
+            </p:cNvPr>
+            <p:cNvSpPr txBox="1"/>
+            <p:nvPr/>
+          </p:nvSpPr>
+          <p:spPr>
+            <a:xfrm>
+              <a:off x="4784563" y="2633475"/>
+              <a:ext cx="300082" cy="215444"/>
+            </a:xfrm>
+            <a:prstGeom prst="rect">
+              <a:avLst/>
+            </a:prstGeom>
+            <a:noFill/>
+          </p:spPr>
+          <p:txBody>
+            <a:bodyPr wrap="none" rtlCol="0">
+              <a:spAutoFit/>
+            </a:bodyPr>
+            <a:lstStyle/>
+            <a:p>
+              <a:r>
+                <a:rPr lang="en-US" sz="800" dirty="0">
+                  <a:latin typeface="Avenir Book" panose="02000503020000020003" pitchFamily="2" charset="0"/>
+                </a:rPr>
+                <a:t>77</a:t>
+              </a:r>
+            </a:p>
+          </p:txBody>
+        </p:sp>
+        <p:cxnSp>
+          <p:nvCxnSpPr>
+            <p:cNvPr id="24" name="Straight Connector 23">
+              <a:extLst>
+                <a:ext uri="{FF2B5EF4-FFF2-40B4-BE49-F238E27FC236}">
+                  <a16:creationId xmlns:a16="http://schemas.microsoft.com/office/drawing/2014/main" id="{ACAEE568-59E4-9D86-5EB9-0CC207DD613E}"/>
+                </a:ext>
+              </a:extLst>
+            </p:cNvPr>
+            <p:cNvCxnSpPr>
+              <a:cxnSpLocks/>
+            </p:cNvCxnSpPr>
+            <p:nvPr/>
+          </p:nvCxnSpPr>
+          <p:spPr>
+            <a:xfrm flipV="1">
+              <a:off x="4994275" y="2539481"/>
+              <a:ext cx="66894" cy="127519"/>
+            </a:xfrm>
+            <a:prstGeom prst="line">
+              <a:avLst/>
+            </a:prstGeom>
+            <a:ln w="6350">
+              <a:solidFill>
+                <a:schemeClr val="bg1">
+                  <a:lumMod val="50000"/>
+                </a:schemeClr>
+              </a:solidFill>
+            </a:ln>
+          </p:spPr>
+          <p:style>
+            <a:lnRef idx="2">
+              <a:schemeClr val="accent1"/>
+            </a:lnRef>
+            <a:fillRef idx="0">
+              <a:schemeClr val="accent1"/>
+            </a:fillRef>
+            <a:effectRef idx="1">
+              <a:schemeClr val="accent1"/>
+            </a:effectRef>
+            <a:fontRef idx="minor">
+              <a:schemeClr val="tx1"/>
+            </a:fontRef>
+          </p:style>
+        </p:cxnSp>
+        <p:sp>
+          <p:nvSpPr>
+            <p:cNvPr id="25" name="TextBox 24">
+              <a:extLst>
+                <a:ext uri="{FF2B5EF4-FFF2-40B4-BE49-F238E27FC236}">
+                  <a16:creationId xmlns:a16="http://schemas.microsoft.com/office/drawing/2014/main" id="{EFBCFA95-328C-18E8-708F-7F295310751D}"/>
+                </a:ext>
+              </a:extLst>
+            </p:cNvPr>
+            <p:cNvSpPr txBox="1"/>
+            <p:nvPr/>
+          </p:nvSpPr>
+          <p:spPr>
+            <a:xfrm>
+              <a:off x="4460882" y="2263312"/>
+              <a:ext cx="349243" cy="215444"/>
+            </a:xfrm>
+            <a:prstGeom prst="rect">
+              <a:avLst/>
+            </a:prstGeom>
+            <a:noFill/>
+          </p:spPr>
+          <p:txBody>
+            <a:bodyPr wrap="square" rtlCol="0">
+              <a:spAutoFit/>
+            </a:bodyPr>
+            <a:lstStyle/>
+            <a:p>
+              <a:pPr algn="ctr"/>
+              <a:r>
+                <a:rPr lang="en-US" sz="800" dirty="0">
+                  <a:latin typeface="Avenir Book" panose="02000503020000020003" pitchFamily="2" charset="0"/>
+                </a:rPr>
+                <a:t>79</a:t>
+              </a:r>
+            </a:p>
+          </p:txBody>
+        </p:sp>
+        <p:sp>
+          <p:nvSpPr>
+            <p:cNvPr id="26" name="TextBox 25">
+              <a:extLst>
+                <a:ext uri="{FF2B5EF4-FFF2-40B4-BE49-F238E27FC236}">
+                  <a16:creationId xmlns:a16="http://schemas.microsoft.com/office/drawing/2014/main" id="{CB2912CC-7DA2-CAAD-FF80-3146BCC971FF}"/>
+                </a:ext>
+              </a:extLst>
+            </p:cNvPr>
+            <p:cNvSpPr txBox="1"/>
+            <p:nvPr/>
+          </p:nvSpPr>
+          <p:spPr>
+            <a:xfrm>
+              <a:off x="4753645" y="3240833"/>
+              <a:ext cx="413312" cy="215444"/>
+            </a:xfrm>
+            <a:prstGeom prst="rect">
+              <a:avLst/>
+            </a:prstGeom>
+            <a:noFill/>
+          </p:spPr>
+          <p:txBody>
+            <a:bodyPr wrap="square" rtlCol="0">
+              <a:spAutoFit/>
+            </a:bodyPr>
+            <a:lstStyle/>
+            <a:p>
+              <a:pPr algn="ctr"/>
+              <a:r>
+                <a:rPr lang="en-US" sz="800" dirty="0">
+                  <a:latin typeface="Avenir Book" panose="02000503020000020003" pitchFamily="2" charset="0"/>
+                </a:rPr>
+                <a:t>100</a:t>
+              </a:r>
+            </a:p>
+          </p:txBody>
+        </p:sp>
+        <p:sp>
+          <p:nvSpPr>
+            <p:cNvPr id="27" name="TextBox 26">
+              <a:extLst>
+                <a:ext uri="{FF2B5EF4-FFF2-40B4-BE49-F238E27FC236}">
+                  <a16:creationId xmlns:a16="http://schemas.microsoft.com/office/drawing/2014/main" id="{16DE7318-162A-3BE0-D1DC-5710C26E7F3F}"/>
+                </a:ext>
+              </a:extLst>
+            </p:cNvPr>
+            <p:cNvSpPr txBox="1"/>
+            <p:nvPr/>
+          </p:nvSpPr>
+          <p:spPr>
+            <a:xfrm>
+              <a:off x="4007520" y="3034914"/>
+              <a:ext cx="453362" cy="215444"/>
+            </a:xfrm>
+            <a:prstGeom prst="rect">
+              <a:avLst/>
+            </a:prstGeom>
+            <a:noFill/>
+          </p:spPr>
+          <p:txBody>
+            <a:bodyPr wrap="square" rtlCol="0">
+              <a:spAutoFit/>
+            </a:bodyPr>
+            <a:lstStyle/>
+            <a:p>
+              <a:pPr algn="ctr"/>
+              <a:r>
+                <a:rPr lang="en-US" sz="800" dirty="0">
+                  <a:latin typeface="Avenir Book" panose="02000503020000020003" pitchFamily="2" charset="0"/>
+                </a:rPr>
+                <a:t>91</a:t>
+              </a:r>
+            </a:p>
+          </p:txBody>
+        </p:sp>
+        <p:sp>
+          <p:nvSpPr>
+            <p:cNvPr id="28" name="TextBox 27">
+              <a:extLst>
+                <a:ext uri="{FF2B5EF4-FFF2-40B4-BE49-F238E27FC236}">
+                  <a16:creationId xmlns:a16="http://schemas.microsoft.com/office/drawing/2014/main" id="{C19FC276-C583-CEAF-2CF1-389F80EAD1A0}"/>
+                </a:ext>
+              </a:extLst>
+            </p:cNvPr>
+            <p:cNvSpPr txBox="1"/>
+            <p:nvPr/>
+          </p:nvSpPr>
+          <p:spPr>
+            <a:xfrm>
+              <a:off x="3759870" y="3733414"/>
+              <a:ext cx="314325" cy="215444"/>
+            </a:xfrm>
+            <a:prstGeom prst="rect">
+              <a:avLst/>
+            </a:prstGeom>
+            <a:noFill/>
+          </p:spPr>
+          <p:txBody>
+            <a:bodyPr wrap="square" rtlCol="0">
+              <a:spAutoFit/>
+            </a:bodyPr>
+            <a:lstStyle/>
+            <a:p>
+              <a:pPr algn="ctr"/>
+              <a:r>
+                <a:rPr lang="en-US" sz="800" dirty="0">
+                  <a:latin typeface="Avenir Book" panose="02000503020000020003" pitchFamily="2" charset="0"/>
+                </a:rPr>
+                <a:t>52</a:t>
+              </a:r>
+            </a:p>
+          </p:txBody>
+        </p:sp>
+        <p:sp>
+          <p:nvSpPr>
+            <p:cNvPr id="29" name="TextBox 28">
+              <a:extLst>
+                <a:ext uri="{FF2B5EF4-FFF2-40B4-BE49-F238E27FC236}">
+                  <a16:creationId xmlns:a16="http://schemas.microsoft.com/office/drawing/2014/main" id="{4B268A67-E646-437A-3C3C-402EACB6C9C7}"/>
+                </a:ext>
+              </a:extLst>
+            </p:cNvPr>
+            <p:cNvSpPr txBox="1"/>
+            <p:nvPr/>
+          </p:nvSpPr>
+          <p:spPr>
+            <a:xfrm>
+              <a:off x="3079750" y="4304914"/>
+              <a:ext cx="749300" cy="215444"/>
+            </a:xfrm>
+            <a:prstGeom prst="rect">
+              <a:avLst/>
+            </a:prstGeom>
+            <a:noFill/>
+          </p:spPr>
+          <p:txBody>
+            <a:bodyPr wrap="square" rtlCol="0">
+              <a:spAutoFit/>
+            </a:bodyPr>
+            <a:lstStyle/>
+            <a:p>
+              <a:pPr algn="ctr"/>
+              <a:r>
+                <a:rPr lang="en-US" sz="800" dirty="0">
+                  <a:latin typeface="Avenir Book" panose="02000503020000020003" pitchFamily="2" charset="0"/>
+                </a:rPr>
+                <a:t>98</a:t>
+              </a:r>
+            </a:p>
+          </p:txBody>
+        </p:sp>
+        <p:sp>
+          <p:nvSpPr>
+            <p:cNvPr id="30" name="TextBox 29">
+              <a:extLst>
+                <a:ext uri="{FF2B5EF4-FFF2-40B4-BE49-F238E27FC236}">
+                  <a16:creationId xmlns:a16="http://schemas.microsoft.com/office/drawing/2014/main" id="{A62E2E61-230E-D309-8517-99ACA16B0EC6}"/>
+                </a:ext>
+              </a:extLst>
+            </p:cNvPr>
+            <p:cNvSpPr txBox="1"/>
+            <p:nvPr/>
+          </p:nvSpPr>
+          <p:spPr>
+            <a:xfrm>
+              <a:off x="3079749" y="5393939"/>
+              <a:ext cx="815975" cy="215444"/>
+            </a:xfrm>
+            <a:prstGeom prst="rect">
+              <a:avLst/>
+            </a:prstGeom>
+            <a:noFill/>
+          </p:spPr>
+          <p:txBody>
+            <a:bodyPr wrap="square" rtlCol="0">
+              <a:spAutoFit/>
+            </a:bodyPr>
+            <a:lstStyle/>
+            <a:p>
+              <a:pPr algn="ctr"/>
+              <a:r>
+                <a:rPr lang="en-US" sz="800" dirty="0">
+                  <a:latin typeface="Avenir Book" panose="02000503020000020003" pitchFamily="2" charset="0"/>
+                </a:rPr>
+                <a:t>99</a:t>
+              </a:r>
+            </a:p>
+          </p:txBody>
+        </p:sp>
+      </p:grpSp>
     </p:spTree>
     <p:extLst>
       <p:ext uri="{BB962C8B-B14F-4D97-AF65-F5344CB8AC3E}">
